--- a/Indigo_Casestudy.pptx
+++ b/Indigo_Casestudy.pptx
@@ -174,7 +174,7 @@
           <p:cNvPr id="2" name="Header Placeholder 1">
             <a:extLst>
               <a:ext uri="{FF2B5EF4-FFF2-40B4-BE49-F238E27FC236}">
-                <a16:creationId xmlns:a16="http://schemas.microsoft.com/office/drawing/2014/main" xmlns="" id="{42F7A84F-E231-42BE-A9F8-B5131853C839}"/>
+                <a16:creationId xmlns="" xmlns:a16="http://schemas.microsoft.com/office/drawing/2014/main" id="{42F7A84F-E231-42BE-A9F8-B5131853C839}"/>
               </a:ext>
             </a:extLst>
           </p:cNvPr>
@@ -211,7 +211,7 @@
           <p:cNvPr id="3" name="Date Placeholder 2">
             <a:extLst>
               <a:ext uri="{FF2B5EF4-FFF2-40B4-BE49-F238E27FC236}">
-                <a16:creationId xmlns:a16="http://schemas.microsoft.com/office/drawing/2014/main" xmlns="" id="{BCB813BC-9E49-4ABB-A3C3-CEE0885B0275}"/>
+                <a16:creationId xmlns="" xmlns:a16="http://schemas.microsoft.com/office/drawing/2014/main" id="{BCB813BC-9E49-4ABB-A3C3-CEE0885B0275}"/>
               </a:ext>
             </a:extLst>
           </p:cNvPr>
@@ -252,7 +252,7 @@
           <p:cNvPr id="4" name="Footer Placeholder 3">
             <a:extLst>
               <a:ext uri="{FF2B5EF4-FFF2-40B4-BE49-F238E27FC236}">
-                <a16:creationId xmlns:a16="http://schemas.microsoft.com/office/drawing/2014/main" xmlns="" id="{47ADFF29-9BE4-4CDF-A198-BBEE303F0EBB}"/>
+                <a16:creationId xmlns="" xmlns:a16="http://schemas.microsoft.com/office/drawing/2014/main" id="{47ADFF29-9BE4-4CDF-A198-BBEE303F0EBB}"/>
               </a:ext>
             </a:extLst>
           </p:cNvPr>
@@ -289,7 +289,7 @@
           <p:cNvPr id="5" name="Slide Number Placeholder 4">
             <a:extLst>
               <a:ext uri="{FF2B5EF4-FFF2-40B4-BE49-F238E27FC236}">
-                <a16:creationId xmlns:a16="http://schemas.microsoft.com/office/drawing/2014/main" xmlns="" id="{60D4AFC6-5A97-4417-A16A-485E5801A6EA}"/>
+                <a16:creationId xmlns="" xmlns:a16="http://schemas.microsoft.com/office/drawing/2014/main" id="{60D4AFC6-5A97-4417-A16A-485E5801A6EA}"/>
               </a:ext>
             </a:extLst>
           </p:cNvPr>
@@ -1547,7 +1547,7 @@
           <p:cNvPr id="2" name="Title 1">
             <a:extLst>
               <a:ext uri="{FF2B5EF4-FFF2-40B4-BE49-F238E27FC236}">
-                <a16:creationId xmlns:a16="http://schemas.microsoft.com/office/drawing/2014/main" xmlns="" id="{7797D165-49B0-44FF-A267-367F5A6EE306}"/>
+                <a16:creationId xmlns="" xmlns:a16="http://schemas.microsoft.com/office/drawing/2014/main" id="{7797D165-49B0-44FF-A267-367F5A6EE306}"/>
               </a:ext>
             </a:extLst>
           </p:cNvPr>
@@ -1592,7 +1592,7 @@
           <p:cNvPr id="3" name="Subtitle 2">
             <a:extLst>
               <a:ext uri="{FF2B5EF4-FFF2-40B4-BE49-F238E27FC236}">
-                <a16:creationId xmlns:a16="http://schemas.microsoft.com/office/drawing/2014/main" xmlns="" id="{56B52800-74D6-4A78-AC9B-8E737A1A3B0D}"/>
+                <a16:creationId xmlns="" xmlns:a16="http://schemas.microsoft.com/office/drawing/2014/main" id="{56B52800-74D6-4A78-AC9B-8E737A1A3B0D}"/>
               </a:ext>
             </a:extLst>
           </p:cNvPr>
@@ -1684,7 +1684,7 @@
           <p:cNvPr id="4" name="Date Placeholder 3">
             <a:extLst>
               <a:ext uri="{FF2B5EF4-FFF2-40B4-BE49-F238E27FC236}">
-                <a16:creationId xmlns:a16="http://schemas.microsoft.com/office/drawing/2014/main" xmlns="" id="{88B91F7B-C4AF-4FC6-A6BE-657DEF6D5358}"/>
+                <a16:creationId xmlns="" xmlns:a16="http://schemas.microsoft.com/office/drawing/2014/main" id="{88B91F7B-C4AF-4FC6-A6BE-657DEF6D5358}"/>
               </a:ext>
             </a:extLst>
           </p:cNvPr>
@@ -1713,7 +1713,7 @@
           <p:cNvPr id="5" name="Footer Placeholder 4">
             <a:extLst>
               <a:ext uri="{FF2B5EF4-FFF2-40B4-BE49-F238E27FC236}">
-                <a16:creationId xmlns:a16="http://schemas.microsoft.com/office/drawing/2014/main" xmlns="" id="{5BED32F8-B0C7-4332-B0A5-BC19DD8C4CF5}"/>
+                <a16:creationId xmlns="" xmlns:a16="http://schemas.microsoft.com/office/drawing/2014/main" id="{5BED32F8-B0C7-4332-B0A5-BC19DD8C4CF5}"/>
               </a:ext>
             </a:extLst>
           </p:cNvPr>
@@ -1738,7 +1738,7 @@
           <p:cNvPr id="6" name="Slide Number Placeholder 5">
             <a:extLst>
               <a:ext uri="{FF2B5EF4-FFF2-40B4-BE49-F238E27FC236}">
-                <a16:creationId xmlns:a16="http://schemas.microsoft.com/office/drawing/2014/main" xmlns="" id="{B0030946-D0C7-4F78-94B0-427DAA6D5CB0}"/>
+                <a16:creationId xmlns="" xmlns:a16="http://schemas.microsoft.com/office/drawing/2014/main" id="{B0030946-D0C7-4F78-94B0-427DAA6D5CB0}"/>
               </a:ext>
             </a:extLst>
           </p:cNvPr>
@@ -1797,7 +1797,7 @@
           <p:cNvPr id="9" name="Picture Placeholder 8">
             <a:extLst>
               <a:ext uri="{FF2B5EF4-FFF2-40B4-BE49-F238E27FC236}">
-                <a16:creationId xmlns:a16="http://schemas.microsoft.com/office/drawing/2014/main" xmlns="" id="{37202246-9B90-4CE1-AAF1-3328E51AE0A5}"/>
+                <a16:creationId xmlns="" xmlns:a16="http://schemas.microsoft.com/office/drawing/2014/main" id="{37202246-9B90-4CE1-AAF1-3328E51AE0A5}"/>
               </a:ext>
             </a:extLst>
           </p:cNvPr>
@@ -1836,7 +1836,7 @@
           <p:cNvPr id="18" name="Content Placeholder 2">
             <a:extLst>
               <a:ext uri="{FF2B5EF4-FFF2-40B4-BE49-F238E27FC236}">
-                <a16:creationId xmlns:a16="http://schemas.microsoft.com/office/drawing/2014/main" xmlns="" id="{843DF42B-5E6A-409A-A205-0B59AE5FBD98}"/>
+                <a16:creationId xmlns="" xmlns:a16="http://schemas.microsoft.com/office/drawing/2014/main" id="{843DF42B-5E6A-409A-A205-0B59AE5FBD98}"/>
               </a:ext>
             </a:extLst>
           </p:cNvPr>
@@ -1922,7 +1922,7 @@
           <p:cNvPr id="17" name="Content Placeholder 2">
             <a:extLst>
               <a:ext uri="{FF2B5EF4-FFF2-40B4-BE49-F238E27FC236}">
-                <a16:creationId xmlns:a16="http://schemas.microsoft.com/office/drawing/2014/main" xmlns="" id="{9C7A202D-9C81-48E9-AC0B-E4DDE20AE14F}"/>
+                <a16:creationId xmlns="" xmlns:a16="http://schemas.microsoft.com/office/drawing/2014/main" id="{9C7A202D-9C81-48E9-AC0B-E4DDE20AE14F}"/>
               </a:ext>
             </a:extLst>
           </p:cNvPr>
@@ -2008,7 +2008,7 @@
           <p:cNvPr id="7" name="Slide Number Placeholder 6">
             <a:extLst>
               <a:ext uri="{FF2B5EF4-FFF2-40B4-BE49-F238E27FC236}">
-                <a16:creationId xmlns:a16="http://schemas.microsoft.com/office/drawing/2014/main" xmlns="" id="{4E60EB58-EF7E-435A-8B07-B5BCF3AF119F}"/>
+                <a16:creationId xmlns="" xmlns:a16="http://schemas.microsoft.com/office/drawing/2014/main" id="{4E60EB58-EF7E-435A-8B07-B5BCF3AF119F}"/>
               </a:ext>
             </a:extLst>
           </p:cNvPr>
@@ -2037,7 +2037,7 @@
           <p:cNvPr id="2" name="Title 1">
             <a:extLst>
               <a:ext uri="{FF2B5EF4-FFF2-40B4-BE49-F238E27FC236}">
-                <a16:creationId xmlns:a16="http://schemas.microsoft.com/office/drawing/2014/main" xmlns="" id="{E7F76098-6FA1-470A-BEF4-E4B0AC75E8FE}"/>
+                <a16:creationId xmlns="" xmlns:a16="http://schemas.microsoft.com/office/drawing/2014/main" id="{E7F76098-6FA1-470A-BEF4-E4B0AC75E8FE}"/>
               </a:ext>
             </a:extLst>
           </p:cNvPr>
@@ -2074,7 +2074,7 @@
           <p:cNvPr id="3" name="Content Placeholder 2">
             <a:extLst>
               <a:ext uri="{FF2B5EF4-FFF2-40B4-BE49-F238E27FC236}">
-                <a16:creationId xmlns:a16="http://schemas.microsoft.com/office/drawing/2014/main" xmlns="" id="{4B647ABC-6745-43B6-8A64-6E191BD65CA2}"/>
+                <a16:creationId xmlns="" xmlns:a16="http://schemas.microsoft.com/office/drawing/2014/main" id="{4B647ABC-6745-43B6-8A64-6E191BD65CA2}"/>
               </a:ext>
             </a:extLst>
           </p:cNvPr>
@@ -2160,7 +2160,7 @@
           <p:cNvPr id="5" name="Date Placeholder 4">
             <a:extLst>
               <a:ext uri="{FF2B5EF4-FFF2-40B4-BE49-F238E27FC236}">
-                <a16:creationId xmlns:a16="http://schemas.microsoft.com/office/drawing/2014/main" xmlns="" id="{47F57DE0-C032-4FCC-9006-09C2C328A665}"/>
+                <a16:creationId xmlns="" xmlns:a16="http://schemas.microsoft.com/office/drawing/2014/main" id="{47F57DE0-C032-4FCC-9006-09C2C328A665}"/>
               </a:ext>
             </a:extLst>
           </p:cNvPr>
@@ -2189,7 +2189,7 @@
           <p:cNvPr id="6" name="Footer Placeholder 5">
             <a:extLst>
               <a:ext uri="{FF2B5EF4-FFF2-40B4-BE49-F238E27FC236}">
-                <a16:creationId xmlns:a16="http://schemas.microsoft.com/office/drawing/2014/main" xmlns="" id="{90C776CB-2819-4488-9012-A6EA22079A47}"/>
+                <a16:creationId xmlns="" xmlns:a16="http://schemas.microsoft.com/office/drawing/2014/main" id="{90C776CB-2819-4488-9012-A6EA22079A47}"/>
               </a:ext>
             </a:extLst>
           </p:cNvPr>
@@ -2214,7 +2214,7 @@
           <p:cNvPr id="25" name="Content Placeholder 2">
             <a:extLst>
               <a:ext uri="{FF2B5EF4-FFF2-40B4-BE49-F238E27FC236}">
-                <a16:creationId xmlns:a16="http://schemas.microsoft.com/office/drawing/2014/main" xmlns="" id="{70506441-775A-4D93-ADE3-695C86D6699F}"/>
+                <a16:creationId xmlns="" xmlns:a16="http://schemas.microsoft.com/office/drawing/2014/main" id="{70506441-775A-4D93-ADE3-695C86D6699F}"/>
               </a:ext>
             </a:extLst>
           </p:cNvPr>
@@ -2300,7 +2300,7 @@
           <p:cNvPr id="26" name="Content Placeholder 2">
             <a:extLst>
               <a:ext uri="{FF2B5EF4-FFF2-40B4-BE49-F238E27FC236}">
-                <a16:creationId xmlns:a16="http://schemas.microsoft.com/office/drawing/2014/main" xmlns="" id="{FA00A08C-FA2D-44B5-9451-63F193A3E7B3}"/>
+                <a16:creationId xmlns="" xmlns:a16="http://schemas.microsoft.com/office/drawing/2014/main" id="{FA00A08C-FA2D-44B5-9451-63F193A3E7B3}"/>
               </a:ext>
             </a:extLst>
           </p:cNvPr>
@@ -2386,7 +2386,7 @@
           <p:cNvPr id="27" name="Content Placeholder 2">
             <a:extLst>
               <a:ext uri="{FF2B5EF4-FFF2-40B4-BE49-F238E27FC236}">
-                <a16:creationId xmlns:a16="http://schemas.microsoft.com/office/drawing/2014/main" xmlns="" id="{6A8F9540-8D26-4ADA-88E6-B9A742232C2D}"/>
+                <a16:creationId xmlns="" xmlns:a16="http://schemas.microsoft.com/office/drawing/2014/main" id="{6A8F9540-8D26-4ADA-88E6-B9A742232C2D}"/>
               </a:ext>
             </a:extLst>
           </p:cNvPr>
@@ -2472,7 +2472,7 @@
           <p:cNvPr id="29" name="Picture Placeholder 28">
             <a:extLst>
               <a:ext uri="{FF2B5EF4-FFF2-40B4-BE49-F238E27FC236}">
-                <a16:creationId xmlns:a16="http://schemas.microsoft.com/office/drawing/2014/main" xmlns="" id="{3D7801BA-80A8-4F2C-90C8-155E6210A852}"/>
+                <a16:creationId xmlns="" xmlns:a16="http://schemas.microsoft.com/office/drawing/2014/main" id="{3D7801BA-80A8-4F2C-90C8-155E6210A852}"/>
               </a:ext>
             </a:extLst>
           </p:cNvPr>
@@ -2513,7 +2513,7 @@
           <p:cNvPr id="30" name="Picture Placeholder 28">
             <a:extLst>
               <a:ext uri="{FF2B5EF4-FFF2-40B4-BE49-F238E27FC236}">
-                <a16:creationId xmlns:a16="http://schemas.microsoft.com/office/drawing/2014/main" xmlns="" id="{99C7ED62-8CE2-417B-9E03-DB47D419110B}"/>
+                <a16:creationId xmlns="" xmlns:a16="http://schemas.microsoft.com/office/drawing/2014/main" id="{99C7ED62-8CE2-417B-9E03-DB47D419110B}"/>
               </a:ext>
             </a:extLst>
           </p:cNvPr>
@@ -2554,7 +2554,7 @@
           <p:cNvPr id="31" name="Picture Placeholder 28">
             <a:extLst>
               <a:ext uri="{FF2B5EF4-FFF2-40B4-BE49-F238E27FC236}">
-                <a16:creationId xmlns:a16="http://schemas.microsoft.com/office/drawing/2014/main" xmlns="" id="{96383197-4013-4D5E-BF47-64BD2386A4D6}"/>
+                <a16:creationId xmlns="" xmlns:a16="http://schemas.microsoft.com/office/drawing/2014/main" id="{96383197-4013-4D5E-BF47-64BD2386A4D6}"/>
               </a:ext>
             </a:extLst>
           </p:cNvPr>
@@ -2595,7 +2595,7 @@
           <p:cNvPr id="32" name="Picture Placeholder 28">
             <a:extLst>
               <a:ext uri="{FF2B5EF4-FFF2-40B4-BE49-F238E27FC236}">
-                <a16:creationId xmlns:a16="http://schemas.microsoft.com/office/drawing/2014/main" xmlns="" id="{B2568099-B430-4F70-A248-1840860FFEED}"/>
+                <a16:creationId xmlns="" xmlns:a16="http://schemas.microsoft.com/office/drawing/2014/main" id="{B2568099-B430-4F70-A248-1840860FFEED}"/>
               </a:ext>
             </a:extLst>
           </p:cNvPr>
@@ -2636,7 +2636,7 @@
           <p:cNvPr id="33" name="Picture Placeholder 28">
             <a:extLst>
               <a:ext uri="{FF2B5EF4-FFF2-40B4-BE49-F238E27FC236}">
-                <a16:creationId xmlns:a16="http://schemas.microsoft.com/office/drawing/2014/main" xmlns="" id="{82A0F640-3653-4074-BEAA-B09FF6E0B391}"/>
+                <a16:creationId xmlns="" xmlns:a16="http://schemas.microsoft.com/office/drawing/2014/main" id="{82A0F640-3653-4074-BEAA-B09FF6E0B391}"/>
               </a:ext>
             </a:extLst>
           </p:cNvPr>
@@ -2677,7 +2677,7 @@
           <p:cNvPr id="34" name="Picture Placeholder 28">
             <a:extLst>
               <a:ext uri="{FF2B5EF4-FFF2-40B4-BE49-F238E27FC236}">
-                <a16:creationId xmlns:a16="http://schemas.microsoft.com/office/drawing/2014/main" xmlns="" id="{1723BD4F-261F-418F-B763-09039D2CA7B6}"/>
+                <a16:creationId xmlns="" xmlns:a16="http://schemas.microsoft.com/office/drawing/2014/main" id="{1723BD4F-261F-418F-B763-09039D2CA7B6}"/>
               </a:ext>
             </a:extLst>
           </p:cNvPr>
@@ -2748,7 +2748,7 @@
           <p:cNvPr id="7" name="Slide Number Placeholder 6">
             <a:extLst>
               <a:ext uri="{FF2B5EF4-FFF2-40B4-BE49-F238E27FC236}">
-                <a16:creationId xmlns:a16="http://schemas.microsoft.com/office/drawing/2014/main" xmlns="" id="{4E60EB58-EF7E-435A-8B07-B5BCF3AF119F}"/>
+                <a16:creationId xmlns="" xmlns:a16="http://schemas.microsoft.com/office/drawing/2014/main" id="{4E60EB58-EF7E-435A-8B07-B5BCF3AF119F}"/>
               </a:ext>
             </a:extLst>
           </p:cNvPr>
@@ -2777,7 +2777,7 @@
           <p:cNvPr id="2" name="Title 1">
             <a:extLst>
               <a:ext uri="{FF2B5EF4-FFF2-40B4-BE49-F238E27FC236}">
-                <a16:creationId xmlns:a16="http://schemas.microsoft.com/office/drawing/2014/main" xmlns="" id="{E7F76098-6FA1-470A-BEF4-E4B0AC75E8FE}"/>
+                <a16:creationId xmlns="" xmlns:a16="http://schemas.microsoft.com/office/drawing/2014/main" id="{E7F76098-6FA1-470A-BEF4-E4B0AC75E8FE}"/>
               </a:ext>
             </a:extLst>
           </p:cNvPr>
@@ -2806,7 +2806,7 @@
           <p:cNvPr id="5" name="Date Placeholder 4">
             <a:extLst>
               <a:ext uri="{FF2B5EF4-FFF2-40B4-BE49-F238E27FC236}">
-                <a16:creationId xmlns:a16="http://schemas.microsoft.com/office/drawing/2014/main" xmlns="" id="{47F57DE0-C032-4FCC-9006-09C2C328A665}"/>
+                <a16:creationId xmlns="" xmlns:a16="http://schemas.microsoft.com/office/drawing/2014/main" id="{47F57DE0-C032-4FCC-9006-09C2C328A665}"/>
               </a:ext>
             </a:extLst>
           </p:cNvPr>
@@ -2835,7 +2835,7 @@
           <p:cNvPr id="6" name="Footer Placeholder 5">
             <a:extLst>
               <a:ext uri="{FF2B5EF4-FFF2-40B4-BE49-F238E27FC236}">
-                <a16:creationId xmlns:a16="http://schemas.microsoft.com/office/drawing/2014/main" xmlns="" id="{90C776CB-2819-4488-9012-A6EA22079A47}"/>
+                <a16:creationId xmlns="" xmlns:a16="http://schemas.microsoft.com/office/drawing/2014/main" id="{90C776CB-2819-4488-9012-A6EA22079A47}"/>
               </a:ext>
             </a:extLst>
           </p:cNvPr>
@@ -2860,7 +2860,7 @@
           <p:cNvPr id="12" name="Picture Placeholder 11">
             <a:extLst>
               <a:ext uri="{FF2B5EF4-FFF2-40B4-BE49-F238E27FC236}">
-                <a16:creationId xmlns:a16="http://schemas.microsoft.com/office/drawing/2014/main" xmlns="" id="{B15EEB49-54F4-404C-9B31-AD488BFCB2E0}"/>
+                <a16:creationId xmlns="" xmlns:a16="http://schemas.microsoft.com/office/drawing/2014/main" id="{B15EEB49-54F4-404C-9B31-AD488BFCB2E0}"/>
               </a:ext>
             </a:extLst>
           </p:cNvPr>
@@ -2901,7 +2901,7 @@
           <p:cNvPr id="17" name="Picture Placeholder 11">
             <a:extLst>
               <a:ext uri="{FF2B5EF4-FFF2-40B4-BE49-F238E27FC236}">
-                <a16:creationId xmlns:a16="http://schemas.microsoft.com/office/drawing/2014/main" xmlns="" id="{6B2DD458-866A-421E-9AD0-B0D9E1195728}"/>
+                <a16:creationId xmlns="" xmlns:a16="http://schemas.microsoft.com/office/drawing/2014/main" id="{6B2DD458-866A-421E-9AD0-B0D9E1195728}"/>
               </a:ext>
             </a:extLst>
           </p:cNvPr>
@@ -2942,7 +2942,7 @@
           <p:cNvPr id="14" name="Picture Placeholder 11">
             <a:extLst>
               <a:ext uri="{FF2B5EF4-FFF2-40B4-BE49-F238E27FC236}">
-                <a16:creationId xmlns:a16="http://schemas.microsoft.com/office/drawing/2014/main" xmlns="" id="{57A4D097-9603-42DC-888D-8039CE6ADC94}"/>
+                <a16:creationId xmlns="" xmlns:a16="http://schemas.microsoft.com/office/drawing/2014/main" id="{57A4D097-9603-42DC-888D-8039CE6ADC94}"/>
               </a:ext>
             </a:extLst>
           </p:cNvPr>
@@ -2980,7 +2980,7 @@
           <p:cNvPr id="25" name="Text Placeholder 23">
             <a:extLst>
               <a:ext uri="{FF2B5EF4-FFF2-40B4-BE49-F238E27FC236}">
-                <a16:creationId xmlns:a16="http://schemas.microsoft.com/office/drawing/2014/main" xmlns="" id="{B9B9E0BA-35AD-4D69-9A03-35F2509C2C27}"/>
+                <a16:creationId xmlns="" xmlns:a16="http://schemas.microsoft.com/office/drawing/2014/main" id="{B9B9E0BA-35AD-4D69-9A03-35F2509C2C27}"/>
               </a:ext>
             </a:extLst>
           </p:cNvPr>
@@ -3028,7 +3028,7 @@
           <p:cNvPr id="26" name="Text Placeholder 23">
             <a:extLst>
               <a:ext uri="{FF2B5EF4-FFF2-40B4-BE49-F238E27FC236}">
-                <a16:creationId xmlns:a16="http://schemas.microsoft.com/office/drawing/2014/main" xmlns="" id="{B1CC61B3-695C-423D-8F0B-45674DC932B3}"/>
+                <a16:creationId xmlns="" xmlns:a16="http://schemas.microsoft.com/office/drawing/2014/main" id="{B1CC61B3-695C-423D-8F0B-45674DC932B3}"/>
               </a:ext>
             </a:extLst>
           </p:cNvPr>
@@ -3076,7 +3076,7 @@
           <p:cNvPr id="27" name="Text Placeholder 23">
             <a:extLst>
               <a:ext uri="{FF2B5EF4-FFF2-40B4-BE49-F238E27FC236}">
-                <a16:creationId xmlns:a16="http://schemas.microsoft.com/office/drawing/2014/main" xmlns="" id="{B870F23E-35A1-4942-A685-641AA883066A}"/>
+                <a16:creationId xmlns="" xmlns:a16="http://schemas.microsoft.com/office/drawing/2014/main" id="{B870F23E-35A1-4942-A685-641AA883066A}"/>
               </a:ext>
             </a:extLst>
           </p:cNvPr>
@@ -3124,7 +3124,7 @@
           <p:cNvPr id="29" name="Picture Placeholder 28">
             <a:extLst>
               <a:ext uri="{FF2B5EF4-FFF2-40B4-BE49-F238E27FC236}">
-                <a16:creationId xmlns:a16="http://schemas.microsoft.com/office/drawing/2014/main" xmlns="" id="{863B8202-88BB-4ED4-B936-9D9C0B4C8D17}"/>
+                <a16:creationId xmlns="" xmlns:a16="http://schemas.microsoft.com/office/drawing/2014/main" id="{863B8202-88BB-4ED4-B936-9D9C0B4C8D17}"/>
               </a:ext>
             </a:extLst>
           </p:cNvPr>
@@ -3193,7 +3193,7 @@
           <p:cNvPr id="2" name="Title 1">
             <a:extLst>
               <a:ext uri="{FF2B5EF4-FFF2-40B4-BE49-F238E27FC236}">
-                <a16:creationId xmlns:a16="http://schemas.microsoft.com/office/drawing/2014/main" xmlns="" id="{20211141-A77D-4E0E-8CAF-4CD3B279937B}"/>
+                <a16:creationId xmlns="" xmlns:a16="http://schemas.microsoft.com/office/drawing/2014/main" id="{20211141-A77D-4E0E-8CAF-4CD3B279937B}"/>
               </a:ext>
             </a:extLst>
           </p:cNvPr>
@@ -3222,7 +3222,7 @@
           <p:cNvPr id="3" name="Content Placeholder 2">
             <a:extLst>
               <a:ext uri="{FF2B5EF4-FFF2-40B4-BE49-F238E27FC236}">
-                <a16:creationId xmlns:a16="http://schemas.microsoft.com/office/drawing/2014/main" xmlns="" id="{017EFDE0-5A54-402A-B0C3-6BC0BB739C25}"/>
+                <a16:creationId xmlns="" xmlns:a16="http://schemas.microsoft.com/office/drawing/2014/main" id="{017EFDE0-5A54-402A-B0C3-6BC0BB739C25}"/>
               </a:ext>
             </a:extLst>
           </p:cNvPr>
@@ -3280,7 +3280,7 @@
           <p:cNvPr id="4" name="Date Placeholder 3">
             <a:extLst>
               <a:ext uri="{FF2B5EF4-FFF2-40B4-BE49-F238E27FC236}">
-                <a16:creationId xmlns:a16="http://schemas.microsoft.com/office/drawing/2014/main" xmlns="" id="{8A2825AD-4585-4E37-A076-3D0070C9300C}"/>
+                <a16:creationId xmlns="" xmlns:a16="http://schemas.microsoft.com/office/drawing/2014/main" id="{8A2825AD-4585-4E37-A076-3D0070C9300C}"/>
               </a:ext>
             </a:extLst>
           </p:cNvPr>
@@ -3309,7 +3309,7 @@
           <p:cNvPr id="5" name="Footer Placeholder 4">
             <a:extLst>
               <a:ext uri="{FF2B5EF4-FFF2-40B4-BE49-F238E27FC236}">
-                <a16:creationId xmlns:a16="http://schemas.microsoft.com/office/drawing/2014/main" xmlns="" id="{512064AD-EDC3-4B13-8CD6-49EB60099ED4}"/>
+                <a16:creationId xmlns="" xmlns:a16="http://schemas.microsoft.com/office/drawing/2014/main" id="{512064AD-EDC3-4B13-8CD6-49EB60099ED4}"/>
               </a:ext>
             </a:extLst>
           </p:cNvPr>
@@ -3334,7 +3334,7 @@
           <p:cNvPr id="6" name="Slide Number Placeholder 5">
             <a:extLst>
               <a:ext uri="{FF2B5EF4-FFF2-40B4-BE49-F238E27FC236}">
-                <a16:creationId xmlns:a16="http://schemas.microsoft.com/office/drawing/2014/main" xmlns="" id="{7890FD1E-16F6-49B1-A938-8CE601ED7AFC}"/>
+                <a16:creationId xmlns="" xmlns:a16="http://schemas.microsoft.com/office/drawing/2014/main" id="{7890FD1E-16F6-49B1-A938-8CE601ED7AFC}"/>
               </a:ext>
             </a:extLst>
           </p:cNvPr>
@@ -3393,7 +3393,7 @@
           <p:cNvPr id="2" name="Title 1">
             <a:extLst>
               <a:ext uri="{FF2B5EF4-FFF2-40B4-BE49-F238E27FC236}">
-                <a16:creationId xmlns:a16="http://schemas.microsoft.com/office/drawing/2014/main" xmlns="" id="{0C9FA988-92AD-48D7-890A-AA0540961DE2}"/>
+                <a16:creationId xmlns="" xmlns:a16="http://schemas.microsoft.com/office/drawing/2014/main" id="{0C9FA988-92AD-48D7-890A-AA0540961DE2}"/>
               </a:ext>
             </a:extLst>
           </p:cNvPr>
@@ -3431,7 +3431,7 @@
           <p:cNvPr id="3" name="Text Placeholder 2">
             <a:extLst>
               <a:ext uri="{FF2B5EF4-FFF2-40B4-BE49-F238E27FC236}">
-                <a16:creationId xmlns:a16="http://schemas.microsoft.com/office/drawing/2014/main" xmlns="" id="{EAA999FA-A189-41DB-9CFC-D1356C534373}"/>
+                <a16:creationId xmlns="" xmlns:a16="http://schemas.microsoft.com/office/drawing/2014/main" id="{EAA999FA-A189-41DB-9CFC-D1356C534373}"/>
               </a:ext>
             </a:extLst>
           </p:cNvPr>
@@ -3556,7 +3556,7 @@
           <p:cNvPr id="4" name="Date Placeholder 3">
             <a:extLst>
               <a:ext uri="{FF2B5EF4-FFF2-40B4-BE49-F238E27FC236}">
-                <a16:creationId xmlns:a16="http://schemas.microsoft.com/office/drawing/2014/main" xmlns="" id="{B24D83DC-20E7-4B71-9794-36FC33B1BA03}"/>
+                <a16:creationId xmlns="" xmlns:a16="http://schemas.microsoft.com/office/drawing/2014/main" id="{B24D83DC-20E7-4B71-9794-36FC33B1BA03}"/>
               </a:ext>
             </a:extLst>
           </p:cNvPr>
@@ -3585,7 +3585,7 @@
           <p:cNvPr id="5" name="Footer Placeholder 4">
             <a:extLst>
               <a:ext uri="{FF2B5EF4-FFF2-40B4-BE49-F238E27FC236}">
-                <a16:creationId xmlns:a16="http://schemas.microsoft.com/office/drawing/2014/main" xmlns="" id="{44E7D103-1290-4592-B37C-19C9C9DBEAE4}"/>
+                <a16:creationId xmlns="" xmlns:a16="http://schemas.microsoft.com/office/drawing/2014/main" id="{44E7D103-1290-4592-B37C-19C9C9DBEAE4}"/>
               </a:ext>
             </a:extLst>
           </p:cNvPr>
@@ -3610,7 +3610,7 @@
           <p:cNvPr id="6" name="Slide Number Placeholder 5">
             <a:extLst>
               <a:ext uri="{FF2B5EF4-FFF2-40B4-BE49-F238E27FC236}">
-                <a16:creationId xmlns:a16="http://schemas.microsoft.com/office/drawing/2014/main" xmlns="" id="{15955B1B-4A5C-42C7-99A5-B8217736F178}"/>
+                <a16:creationId xmlns="" xmlns:a16="http://schemas.microsoft.com/office/drawing/2014/main" id="{15955B1B-4A5C-42C7-99A5-B8217736F178}"/>
               </a:ext>
             </a:extLst>
           </p:cNvPr>
@@ -3669,7 +3669,7 @@
           <p:cNvPr id="7" name="Slide Number Placeholder 6">
             <a:extLst>
               <a:ext uri="{FF2B5EF4-FFF2-40B4-BE49-F238E27FC236}">
-                <a16:creationId xmlns:a16="http://schemas.microsoft.com/office/drawing/2014/main" xmlns="" id="{4E60EB58-EF7E-435A-8B07-B5BCF3AF119F}"/>
+                <a16:creationId xmlns="" xmlns:a16="http://schemas.microsoft.com/office/drawing/2014/main" id="{4E60EB58-EF7E-435A-8B07-B5BCF3AF119F}"/>
               </a:ext>
             </a:extLst>
           </p:cNvPr>
@@ -3698,7 +3698,7 @@
           <p:cNvPr id="2" name="Title 1">
             <a:extLst>
               <a:ext uri="{FF2B5EF4-FFF2-40B4-BE49-F238E27FC236}">
-                <a16:creationId xmlns:a16="http://schemas.microsoft.com/office/drawing/2014/main" xmlns="" id="{E7F76098-6FA1-470A-BEF4-E4B0AC75E8FE}"/>
+                <a16:creationId xmlns="" xmlns:a16="http://schemas.microsoft.com/office/drawing/2014/main" id="{E7F76098-6FA1-470A-BEF4-E4B0AC75E8FE}"/>
               </a:ext>
             </a:extLst>
           </p:cNvPr>
@@ -3727,7 +3727,7 @@
           <p:cNvPr id="3" name="Content Placeholder 2">
             <a:extLst>
               <a:ext uri="{FF2B5EF4-FFF2-40B4-BE49-F238E27FC236}">
-                <a16:creationId xmlns:a16="http://schemas.microsoft.com/office/drawing/2014/main" xmlns="" id="{4B647ABC-6745-43B6-8A64-6E191BD65CA2}"/>
+                <a16:creationId xmlns="" xmlns:a16="http://schemas.microsoft.com/office/drawing/2014/main" id="{4B647ABC-6745-43B6-8A64-6E191BD65CA2}"/>
               </a:ext>
             </a:extLst>
           </p:cNvPr>
@@ -3790,7 +3790,7 @@
           <p:cNvPr id="4" name="Content Placeholder 3">
             <a:extLst>
               <a:ext uri="{FF2B5EF4-FFF2-40B4-BE49-F238E27FC236}">
-                <a16:creationId xmlns:a16="http://schemas.microsoft.com/office/drawing/2014/main" xmlns="" id="{E4387105-2538-4216-9A7E-445FA092F960}"/>
+                <a16:creationId xmlns="" xmlns:a16="http://schemas.microsoft.com/office/drawing/2014/main" id="{E4387105-2538-4216-9A7E-445FA092F960}"/>
               </a:ext>
             </a:extLst>
           </p:cNvPr>
@@ -3853,7 +3853,7 @@
           <p:cNvPr id="5" name="Date Placeholder 4">
             <a:extLst>
               <a:ext uri="{FF2B5EF4-FFF2-40B4-BE49-F238E27FC236}">
-                <a16:creationId xmlns:a16="http://schemas.microsoft.com/office/drawing/2014/main" xmlns="" id="{47F57DE0-C032-4FCC-9006-09C2C328A665}"/>
+                <a16:creationId xmlns="" xmlns:a16="http://schemas.microsoft.com/office/drawing/2014/main" id="{47F57DE0-C032-4FCC-9006-09C2C328A665}"/>
               </a:ext>
             </a:extLst>
           </p:cNvPr>
@@ -3882,7 +3882,7 @@
           <p:cNvPr id="6" name="Footer Placeholder 5">
             <a:extLst>
               <a:ext uri="{FF2B5EF4-FFF2-40B4-BE49-F238E27FC236}">
-                <a16:creationId xmlns:a16="http://schemas.microsoft.com/office/drawing/2014/main" xmlns="" id="{90C776CB-2819-4488-9012-A6EA22079A47}"/>
+                <a16:creationId xmlns="" xmlns:a16="http://schemas.microsoft.com/office/drawing/2014/main" id="{90C776CB-2819-4488-9012-A6EA22079A47}"/>
               </a:ext>
             </a:extLst>
           </p:cNvPr>
@@ -3937,7 +3937,7 @@
           <p:cNvPr id="2" name="Title 1">
             <a:extLst>
               <a:ext uri="{FF2B5EF4-FFF2-40B4-BE49-F238E27FC236}">
-                <a16:creationId xmlns:a16="http://schemas.microsoft.com/office/drawing/2014/main" xmlns="" id="{0EF43C73-1D0F-45F9-A7E4-E9D24EAFDE3D}"/>
+                <a16:creationId xmlns="" xmlns:a16="http://schemas.microsoft.com/office/drawing/2014/main" id="{0EF43C73-1D0F-45F9-A7E4-E9D24EAFDE3D}"/>
               </a:ext>
             </a:extLst>
           </p:cNvPr>
@@ -3971,7 +3971,7 @@
           <p:cNvPr id="3" name="Text Placeholder 2">
             <a:extLst>
               <a:ext uri="{FF2B5EF4-FFF2-40B4-BE49-F238E27FC236}">
-                <a16:creationId xmlns:a16="http://schemas.microsoft.com/office/drawing/2014/main" xmlns="" id="{D3B88E76-F6AB-4621-A9A6-20A81C5A3F91}"/>
+                <a16:creationId xmlns="" xmlns:a16="http://schemas.microsoft.com/office/drawing/2014/main" id="{D3B88E76-F6AB-4621-A9A6-20A81C5A3F91}"/>
               </a:ext>
             </a:extLst>
           </p:cNvPr>
@@ -4042,7 +4042,7 @@
           <p:cNvPr id="4" name="Content Placeholder 3">
             <a:extLst>
               <a:ext uri="{FF2B5EF4-FFF2-40B4-BE49-F238E27FC236}">
-                <a16:creationId xmlns:a16="http://schemas.microsoft.com/office/drawing/2014/main" xmlns="" id="{6A313FB9-6D6C-4F61-9E7A-76E686D06C25}"/>
+                <a16:creationId xmlns="" xmlns:a16="http://schemas.microsoft.com/office/drawing/2014/main" id="{6A313FB9-6D6C-4F61-9E7A-76E686D06C25}"/>
               </a:ext>
             </a:extLst>
           </p:cNvPr>
@@ -4105,7 +4105,7 @@
           <p:cNvPr id="5" name="Text Placeholder 4">
             <a:extLst>
               <a:ext uri="{FF2B5EF4-FFF2-40B4-BE49-F238E27FC236}">
-                <a16:creationId xmlns:a16="http://schemas.microsoft.com/office/drawing/2014/main" xmlns="" id="{2A93A737-E48B-4909-BE04-F55B58103257}"/>
+                <a16:creationId xmlns="" xmlns:a16="http://schemas.microsoft.com/office/drawing/2014/main" id="{2A93A737-E48B-4909-BE04-F55B58103257}"/>
               </a:ext>
             </a:extLst>
           </p:cNvPr>
@@ -4176,7 +4176,7 @@
           <p:cNvPr id="6" name="Content Placeholder 5">
             <a:extLst>
               <a:ext uri="{FF2B5EF4-FFF2-40B4-BE49-F238E27FC236}">
-                <a16:creationId xmlns:a16="http://schemas.microsoft.com/office/drawing/2014/main" xmlns="" id="{D8F9958C-DB5F-444E-ACE8-73F5E0CA67F1}"/>
+                <a16:creationId xmlns="" xmlns:a16="http://schemas.microsoft.com/office/drawing/2014/main" id="{D8F9958C-DB5F-444E-ACE8-73F5E0CA67F1}"/>
               </a:ext>
             </a:extLst>
           </p:cNvPr>
@@ -4239,7 +4239,7 @@
           <p:cNvPr id="7" name="Date Placeholder 6">
             <a:extLst>
               <a:ext uri="{FF2B5EF4-FFF2-40B4-BE49-F238E27FC236}">
-                <a16:creationId xmlns:a16="http://schemas.microsoft.com/office/drawing/2014/main" xmlns="" id="{11D097D1-3052-4C1F-B573-CA25FFF6CCB5}"/>
+                <a16:creationId xmlns="" xmlns:a16="http://schemas.microsoft.com/office/drawing/2014/main" id="{11D097D1-3052-4C1F-B573-CA25FFF6CCB5}"/>
               </a:ext>
             </a:extLst>
           </p:cNvPr>
@@ -4268,7 +4268,7 @@
           <p:cNvPr id="8" name="Footer Placeholder 7">
             <a:extLst>
               <a:ext uri="{FF2B5EF4-FFF2-40B4-BE49-F238E27FC236}">
-                <a16:creationId xmlns:a16="http://schemas.microsoft.com/office/drawing/2014/main" xmlns="" id="{F2607AC3-2220-4DDA-A22A-C404538FE48E}"/>
+                <a16:creationId xmlns="" xmlns:a16="http://schemas.microsoft.com/office/drawing/2014/main" id="{F2607AC3-2220-4DDA-A22A-C404538FE48E}"/>
               </a:ext>
             </a:extLst>
           </p:cNvPr>
@@ -4293,7 +4293,7 @@
           <p:cNvPr id="9" name="Slide Number Placeholder 8">
             <a:extLst>
               <a:ext uri="{FF2B5EF4-FFF2-40B4-BE49-F238E27FC236}">
-                <a16:creationId xmlns:a16="http://schemas.microsoft.com/office/drawing/2014/main" xmlns="" id="{6FD8DEB3-F122-4B42-9E12-F61189B878B2}"/>
+                <a16:creationId xmlns="" xmlns:a16="http://schemas.microsoft.com/office/drawing/2014/main" id="{6FD8DEB3-F122-4B42-9E12-F61189B878B2}"/>
               </a:ext>
             </a:extLst>
           </p:cNvPr>
@@ -4352,7 +4352,7 @@
           <p:cNvPr id="2" name="Title 1">
             <a:extLst>
               <a:ext uri="{FF2B5EF4-FFF2-40B4-BE49-F238E27FC236}">
-                <a16:creationId xmlns:a16="http://schemas.microsoft.com/office/drawing/2014/main" xmlns="" id="{7E789EF5-3FD9-4423-A9E8-B67B4E902E9B}"/>
+                <a16:creationId xmlns="" xmlns:a16="http://schemas.microsoft.com/office/drawing/2014/main" id="{7E789EF5-3FD9-4423-A9E8-B67B4E902E9B}"/>
               </a:ext>
             </a:extLst>
           </p:cNvPr>
@@ -4381,7 +4381,7 @@
           <p:cNvPr id="3" name="Date Placeholder 2">
             <a:extLst>
               <a:ext uri="{FF2B5EF4-FFF2-40B4-BE49-F238E27FC236}">
-                <a16:creationId xmlns:a16="http://schemas.microsoft.com/office/drawing/2014/main" xmlns="" id="{030D7191-31B4-440E-A4E9-F412FA55824C}"/>
+                <a16:creationId xmlns="" xmlns:a16="http://schemas.microsoft.com/office/drawing/2014/main" id="{030D7191-31B4-440E-A4E9-F412FA55824C}"/>
               </a:ext>
             </a:extLst>
           </p:cNvPr>
@@ -4410,7 +4410,7 @@
           <p:cNvPr id="4" name="Footer Placeholder 3">
             <a:extLst>
               <a:ext uri="{FF2B5EF4-FFF2-40B4-BE49-F238E27FC236}">
-                <a16:creationId xmlns:a16="http://schemas.microsoft.com/office/drawing/2014/main" xmlns="" id="{8EC85CB6-0880-4BF0-8E98-291E70C71377}"/>
+                <a16:creationId xmlns="" xmlns:a16="http://schemas.microsoft.com/office/drawing/2014/main" id="{8EC85CB6-0880-4BF0-8E98-291E70C71377}"/>
               </a:ext>
             </a:extLst>
           </p:cNvPr>
@@ -4435,7 +4435,7 @@
           <p:cNvPr id="5" name="Slide Number Placeholder 4">
             <a:extLst>
               <a:ext uri="{FF2B5EF4-FFF2-40B4-BE49-F238E27FC236}">
-                <a16:creationId xmlns:a16="http://schemas.microsoft.com/office/drawing/2014/main" xmlns="" id="{BE4A5E74-F26F-4C7A-BED1-6EE66C0B3A54}"/>
+                <a16:creationId xmlns="" xmlns:a16="http://schemas.microsoft.com/office/drawing/2014/main" id="{BE4A5E74-F26F-4C7A-BED1-6EE66C0B3A54}"/>
               </a:ext>
             </a:extLst>
           </p:cNvPr>
@@ -4494,7 +4494,7 @@
           <p:cNvPr id="2" name="Date Placeholder 1">
             <a:extLst>
               <a:ext uri="{FF2B5EF4-FFF2-40B4-BE49-F238E27FC236}">
-                <a16:creationId xmlns:a16="http://schemas.microsoft.com/office/drawing/2014/main" xmlns="" id="{F655C546-684A-45B9-8890-66DC55DF7D06}"/>
+                <a16:creationId xmlns="" xmlns:a16="http://schemas.microsoft.com/office/drawing/2014/main" id="{F655C546-684A-45B9-8890-66DC55DF7D06}"/>
               </a:ext>
             </a:extLst>
           </p:cNvPr>
@@ -4523,7 +4523,7 @@
           <p:cNvPr id="3" name="Footer Placeholder 2">
             <a:extLst>
               <a:ext uri="{FF2B5EF4-FFF2-40B4-BE49-F238E27FC236}">
-                <a16:creationId xmlns:a16="http://schemas.microsoft.com/office/drawing/2014/main" xmlns="" id="{4543EBDF-D696-42F7-B962-56F5FEE120CC}"/>
+                <a16:creationId xmlns="" xmlns:a16="http://schemas.microsoft.com/office/drawing/2014/main" id="{4543EBDF-D696-42F7-B962-56F5FEE120CC}"/>
               </a:ext>
             </a:extLst>
           </p:cNvPr>
@@ -4548,7 +4548,7 @@
           <p:cNvPr id="4" name="Slide Number Placeholder 3">
             <a:extLst>
               <a:ext uri="{FF2B5EF4-FFF2-40B4-BE49-F238E27FC236}">
-                <a16:creationId xmlns:a16="http://schemas.microsoft.com/office/drawing/2014/main" xmlns="" id="{6789D77E-1675-4F9D-9113-B274CB0E87FA}"/>
+                <a16:creationId xmlns="" xmlns:a16="http://schemas.microsoft.com/office/drawing/2014/main" id="{6789D77E-1675-4F9D-9113-B274CB0E87FA}"/>
               </a:ext>
             </a:extLst>
           </p:cNvPr>
@@ -4607,7 +4607,7 @@
           <p:cNvPr id="2" name="Title 1">
             <a:extLst>
               <a:ext uri="{FF2B5EF4-FFF2-40B4-BE49-F238E27FC236}">
-                <a16:creationId xmlns:a16="http://schemas.microsoft.com/office/drawing/2014/main" xmlns="" id="{D88E9C90-06AB-49B5-9970-F5791DE93A41}"/>
+                <a16:creationId xmlns="" xmlns:a16="http://schemas.microsoft.com/office/drawing/2014/main" id="{D88E9C90-06AB-49B5-9970-F5791DE93A41}"/>
               </a:ext>
             </a:extLst>
           </p:cNvPr>
@@ -4645,7 +4645,7 @@
           <p:cNvPr id="3" name="Content Placeholder 2">
             <a:extLst>
               <a:ext uri="{FF2B5EF4-FFF2-40B4-BE49-F238E27FC236}">
-                <a16:creationId xmlns:a16="http://schemas.microsoft.com/office/drawing/2014/main" xmlns="" id="{EFFB0071-932D-4CA0-92FB-A6E75AC85569}"/>
+                <a16:creationId xmlns="" xmlns:a16="http://schemas.microsoft.com/office/drawing/2014/main" id="{EFFB0071-932D-4CA0-92FB-A6E75AC85569}"/>
               </a:ext>
             </a:extLst>
           </p:cNvPr>
@@ -4736,7 +4736,7 @@
           <p:cNvPr id="4" name="Text Placeholder 3">
             <a:extLst>
               <a:ext uri="{FF2B5EF4-FFF2-40B4-BE49-F238E27FC236}">
-                <a16:creationId xmlns:a16="http://schemas.microsoft.com/office/drawing/2014/main" xmlns="" id="{71C8D9F5-8B70-4BDD-9CB5-BBF87CF5535C}"/>
+                <a16:creationId xmlns="" xmlns:a16="http://schemas.microsoft.com/office/drawing/2014/main" id="{71C8D9F5-8B70-4BDD-9CB5-BBF87CF5535C}"/>
               </a:ext>
             </a:extLst>
           </p:cNvPr>
@@ -4807,7 +4807,7 @@
           <p:cNvPr id="5" name="Date Placeholder 4">
             <a:extLst>
               <a:ext uri="{FF2B5EF4-FFF2-40B4-BE49-F238E27FC236}">
-                <a16:creationId xmlns:a16="http://schemas.microsoft.com/office/drawing/2014/main" xmlns="" id="{7989DE91-7A80-4682-9D32-2CD41DEFB7B2}"/>
+                <a16:creationId xmlns="" xmlns:a16="http://schemas.microsoft.com/office/drawing/2014/main" id="{7989DE91-7A80-4682-9D32-2CD41DEFB7B2}"/>
               </a:ext>
             </a:extLst>
           </p:cNvPr>
@@ -4836,7 +4836,7 @@
           <p:cNvPr id="6" name="Footer Placeholder 5">
             <a:extLst>
               <a:ext uri="{FF2B5EF4-FFF2-40B4-BE49-F238E27FC236}">
-                <a16:creationId xmlns:a16="http://schemas.microsoft.com/office/drawing/2014/main" xmlns="" id="{7B9E2482-2E7D-4868-95A7-4A55B40FECE1}"/>
+                <a16:creationId xmlns="" xmlns:a16="http://schemas.microsoft.com/office/drawing/2014/main" id="{7B9E2482-2E7D-4868-95A7-4A55B40FECE1}"/>
               </a:ext>
             </a:extLst>
           </p:cNvPr>
@@ -4861,7 +4861,7 @@
           <p:cNvPr id="7" name="Slide Number Placeholder 6">
             <a:extLst>
               <a:ext uri="{FF2B5EF4-FFF2-40B4-BE49-F238E27FC236}">
-                <a16:creationId xmlns:a16="http://schemas.microsoft.com/office/drawing/2014/main" xmlns="" id="{1F4E84CF-C3E5-4475-84C7-21CBAC064B74}"/>
+                <a16:creationId xmlns="" xmlns:a16="http://schemas.microsoft.com/office/drawing/2014/main" id="{1F4E84CF-C3E5-4475-84C7-21CBAC064B74}"/>
               </a:ext>
             </a:extLst>
           </p:cNvPr>
@@ -4920,7 +4920,7 @@
           <p:cNvPr id="2" name="Title 1">
             <a:extLst>
               <a:ext uri="{FF2B5EF4-FFF2-40B4-BE49-F238E27FC236}">
-                <a16:creationId xmlns:a16="http://schemas.microsoft.com/office/drawing/2014/main" xmlns="" id="{4690E0AA-5363-4861-AB6B-0E4D34D74B92}"/>
+                <a16:creationId xmlns="" xmlns:a16="http://schemas.microsoft.com/office/drawing/2014/main" id="{4690E0AA-5363-4861-AB6B-0E4D34D74B92}"/>
               </a:ext>
             </a:extLst>
           </p:cNvPr>
@@ -4958,7 +4958,7 @@
           <p:cNvPr id="3" name="Picture Placeholder 2">
             <a:extLst>
               <a:ext uri="{FF2B5EF4-FFF2-40B4-BE49-F238E27FC236}">
-                <a16:creationId xmlns:a16="http://schemas.microsoft.com/office/drawing/2014/main" xmlns="" id="{8D44B7CE-2038-4CCA-AA8A-D03DE5FD956E}"/>
+                <a16:creationId xmlns="" xmlns:a16="http://schemas.microsoft.com/office/drawing/2014/main" id="{8D44B7CE-2038-4CCA-AA8A-D03DE5FD956E}"/>
               </a:ext>
             </a:extLst>
           </p:cNvPr>
@@ -5029,7 +5029,7 @@
           <p:cNvPr id="4" name="Text Placeholder 3">
             <a:extLst>
               <a:ext uri="{FF2B5EF4-FFF2-40B4-BE49-F238E27FC236}">
-                <a16:creationId xmlns:a16="http://schemas.microsoft.com/office/drawing/2014/main" xmlns="" id="{EA79774D-36EB-4201-B1AC-922DD2E06640}"/>
+                <a16:creationId xmlns="" xmlns:a16="http://schemas.microsoft.com/office/drawing/2014/main" id="{EA79774D-36EB-4201-B1AC-922DD2E06640}"/>
               </a:ext>
             </a:extLst>
           </p:cNvPr>
@@ -5100,7 +5100,7 @@
           <p:cNvPr id="5" name="Date Placeholder 4">
             <a:extLst>
               <a:ext uri="{FF2B5EF4-FFF2-40B4-BE49-F238E27FC236}">
-                <a16:creationId xmlns:a16="http://schemas.microsoft.com/office/drawing/2014/main" xmlns="" id="{CAD1E234-1CB2-41A0-B40D-7E7F160CBA11}"/>
+                <a16:creationId xmlns="" xmlns:a16="http://schemas.microsoft.com/office/drawing/2014/main" id="{CAD1E234-1CB2-41A0-B40D-7E7F160CBA11}"/>
               </a:ext>
             </a:extLst>
           </p:cNvPr>
@@ -5129,7 +5129,7 @@
           <p:cNvPr id="6" name="Footer Placeholder 5">
             <a:extLst>
               <a:ext uri="{FF2B5EF4-FFF2-40B4-BE49-F238E27FC236}">
-                <a16:creationId xmlns:a16="http://schemas.microsoft.com/office/drawing/2014/main" xmlns="" id="{99FD472E-6334-4051-B4D9-6361A819F792}"/>
+                <a16:creationId xmlns="" xmlns:a16="http://schemas.microsoft.com/office/drawing/2014/main" id="{99FD472E-6334-4051-B4D9-6361A819F792}"/>
               </a:ext>
             </a:extLst>
           </p:cNvPr>
@@ -5154,7 +5154,7 @@
           <p:cNvPr id="7" name="Slide Number Placeholder 6">
             <a:extLst>
               <a:ext uri="{FF2B5EF4-FFF2-40B4-BE49-F238E27FC236}">
-                <a16:creationId xmlns:a16="http://schemas.microsoft.com/office/drawing/2014/main" xmlns="" id="{192384B9-6290-4070-B7D1-A105B27F0CB0}"/>
+                <a16:creationId xmlns="" xmlns:a16="http://schemas.microsoft.com/office/drawing/2014/main" id="{192384B9-6290-4070-B7D1-A105B27F0CB0}"/>
               </a:ext>
             </a:extLst>
           </p:cNvPr>
@@ -5218,7 +5218,7 @@
           <p:cNvPr id="2" name="Title Placeholder 1">
             <a:extLst>
               <a:ext uri="{FF2B5EF4-FFF2-40B4-BE49-F238E27FC236}">
-                <a16:creationId xmlns:a16="http://schemas.microsoft.com/office/drawing/2014/main" xmlns="" id="{C9CEC732-0DE2-456B-92A1-84321C9BDCDB}"/>
+                <a16:creationId xmlns="" xmlns:a16="http://schemas.microsoft.com/office/drawing/2014/main" id="{C9CEC732-0DE2-456B-92A1-84321C9BDCDB}"/>
               </a:ext>
             </a:extLst>
           </p:cNvPr>
@@ -5257,7 +5257,7 @@
           <p:cNvPr id="3" name="Text Placeholder 2">
             <a:extLst>
               <a:ext uri="{FF2B5EF4-FFF2-40B4-BE49-F238E27FC236}">
-                <a16:creationId xmlns:a16="http://schemas.microsoft.com/office/drawing/2014/main" xmlns="" id="{DA816A5B-B156-4DC3-B18E-14F3E59A64F4}"/>
+                <a16:creationId xmlns="" xmlns:a16="http://schemas.microsoft.com/office/drawing/2014/main" id="{DA816A5B-B156-4DC3-B18E-14F3E59A64F4}"/>
               </a:ext>
             </a:extLst>
           </p:cNvPr>
@@ -5325,7 +5325,7 @@
           <p:cNvPr id="4" name="Date Placeholder 3">
             <a:extLst>
               <a:ext uri="{FF2B5EF4-FFF2-40B4-BE49-F238E27FC236}">
-                <a16:creationId xmlns:a16="http://schemas.microsoft.com/office/drawing/2014/main" xmlns="" id="{FDB0252E-67CD-4B33-849F-7B1449CF27D0}"/>
+                <a16:creationId xmlns="" xmlns:a16="http://schemas.microsoft.com/office/drawing/2014/main" id="{FDB0252E-67CD-4B33-849F-7B1449CF27D0}"/>
               </a:ext>
             </a:extLst>
           </p:cNvPr>
@@ -5372,7 +5372,7 @@
           <p:cNvPr id="5" name="Footer Placeholder 4">
             <a:extLst>
               <a:ext uri="{FF2B5EF4-FFF2-40B4-BE49-F238E27FC236}">
-                <a16:creationId xmlns:a16="http://schemas.microsoft.com/office/drawing/2014/main" xmlns="" id="{DC620AD2-E3F8-48CB-8B72-B0945DF5348A}"/>
+                <a16:creationId xmlns="" xmlns:a16="http://schemas.microsoft.com/office/drawing/2014/main" id="{DC620AD2-E3F8-48CB-8B72-B0945DF5348A}"/>
               </a:ext>
             </a:extLst>
           </p:cNvPr>
@@ -5415,7 +5415,7 @@
           <p:cNvPr id="10" name="Oval 9">
             <a:extLst>
               <a:ext uri="{FF2B5EF4-FFF2-40B4-BE49-F238E27FC236}">
-                <a16:creationId xmlns:a16="http://schemas.microsoft.com/office/drawing/2014/main" xmlns="" id="{5A5F3BCF-F6FD-4DFF-B0B4-9892C9389344}"/>
+                <a16:creationId xmlns="" xmlns:a16="http://schemas.microsoft.com/office/drawing/2014/main" id="{5A5F3BCF-F6FD-4DFF-B0B4-9892C9389344}"/>
               </a:ext>
             </a:extLst>
           </p:cNvPr>
@@ -5467,7 +5467,7 @@
           <p:cNvPr id="6" name="Slide Number Placeholder 5">
             <a:extLst>
               <a:ext uri="{FF2B5EF4-FFF2-40B4-BE49-F238E27FC236}">
-                <a16:creationId xmlns:a16="http://schemas.microsoft.com/office/drawing/2014/main" xmlns="" id="{D15DEFFD-817B-43EC-86F0-34DEA2BA5EEB}"/>
+                <a16:creationId xmlns="" xmlns:a16="http://schemas.microsoft.com/office/drawing/2014/main" id="{D15DEFFD-817B-43EC-86F0-34DEA2BA5EEB}"/>
               </a:ext>
             </a:extLst>
           </p:cNvPr>
@@ -5852,7 +5852,7 @@
           <p:cNvPr id="10" name="Picture 9" descr="Professionals collaborating at a table over a laptop">
             <a:extLst>
               <a:ext uri="{FF2B5EF4-FFF2-40B4-BE49-F238E27FC236}">
-                <a16:creationId xmlns:a16="http://schemas.microsoft.com/office/drawing/2014/main" xmlns="" id="{1E745F20-F130-4708-BD5A-1A4FF4BE4D0B}"/>
+                <a16:creationId xmlns="" xmlns:a16="http://schemas.microsoft.com/office/drawing/2014/main" id="{1E745F20-F130-4708-BD5A-1A4FF4BE4D0B}"/>
               </a:ext>
             </a:extLst>
           </p:cNvPr>
@@ -5887,7 +5887,7 @@
           <p:cNvPr id="2" name="Title 1">
             <a:extLst>
               <a:ext uri="{FF2B5EF4-FFF2-40B4-BE49-F238E27FC236}">
-                <a16:creationId xmlns:a16="http://schemas.microsoft.com/office/drawing/2014/main" xmlns="" id="{AFB6C91D-4B22-49F1-9A0B-ABEB9E1F5A26}"/>
+                <a16:creationId xmlns="" xmlns:a16="http://schemas.microsoft.com/office/drawing/2014/main" id="{AFB6C91D-4B22-49F1-9A0B-ABEB9E1F5A26}"/>
               </a:ext>
             </a:extLst>
           </p:cNvPr>
@@ -6033,7 +6033,7 @@
           <p:cNvPr id="47" name="Picture Placeholder 46" descr="People discuss something">
             <a:extLst>
               <a:ext uri="{FF2B5EF4-FFF2-40B4-BE49-F238E27FC236}">
-                <a16:creationId xmlns:a16="http://schemas.microsoft.com/office/drawing/2014/main" xmlns="" id="{0FD54BB1-BA8F-46B1-AE35-C73B73A48218}"/>
+                <a16:creationId xmlns="" xmlns:a16="http://schemas.microsoft.com/office/drawing/2014/main" id="{0FD54BB1-BA8F-46B1-AE35-C73B73A48218}"/>
               </a:ext>
             </a:extLst>
           </p:cNvPr>
@@ -6068,7 +6068,7 @@
           <p:cNvPr id="35" name="object 3" descr="Blue rectangle">
             <a:extLst>
               <a:ext uri="{FF2B5EF4-FFF2-40B4-BE49-F238E27FC236}">
-                <a16:creationId xmlns:a16="http://schemas.microsoft.com/office/drawing/2014/main" xmlns="" id="{9206F938-D64B-410D-BE2D-847D78F81E42}"/>
+                <a16:creationId xmlns="" xmlns:a16="http://schemas.microsoft.com/office/drawing/2014/main" id="{9206F938-D64B-410D-BE2D-847D78F81E42}"/>
               </a:ext>
             </a:extLst>
           </p:cNvPr>
@@ -6126,7 +6126,7 @@
           <p:cNvPr id="48" name="Oval 47" descr="Beige oval">
             <a:extLst>
               <a:ext uri="{FF2B5EF4-FFF2-40B4-BE49-F238E27FC236}">
-                <a16:creationId xmlns:a16="http://schemas.microsoft.com/office/drawing/2014/main" xmlns="" id="{7799BEE8-A94D-443E-9846-2D1F32C57944}"/>
+                <a16:creationId xmlns="" xmlns:a16="http://schemas.microsoft.com/office/drawing/2014/main" id="{7799BEE8-A94D-443E-9846-2D1F32C57944}"/>
               </a:ext>
             </a:extLst>
           </p:cNvPr>
@@ -6178,7 +6178,7 @@
           <p:cNvPr id="26" name="Rectangle 25" descr="Blue rectangle">
             <a:extLst>
               <a:ext uri="{FF2B5EF4-FFF2-40B4-BE49-F238E27FC236}">
-                <a16:creationId xmlns:a16="http://schemas.microsoft.com/office/drawing/2014/main" xmlns="" id="{B743B096-6BB3-4330-9D5B-22EEBAF87BEE}"/>
+                <a16:creationId xmlns="" xmlns:a16="http://schemas.microsoft.com/office/drawing/2014/main" id="{B743B096-6BB3-4330-9D5B-22EEBAF87BEE}"/>
               </a:ext>
             </a:extLst>
           </p:cNvPr>
@@ -6230,7 +6230,7 @@
           <p:cNvPr id="3" name="Slide Number Placeholder 2">
             <a:extLst>
               <a:ext uri="{FF2B5EF4-FFF2-40B4-BE49-F238E27FC236}">
-                <a16:creationId xmlns:a16="http://schemas.microsoft.com/office/drawing/2014/main" xmlns="" id="{F1CE755E-A3DE-48FA-953D-4B2CFF013E30}"/>
+                <a16:creationId xmlns="" xmlns:a16="http://schemas.microsoft.com/office/drawing/2014/main" id="{F1CE755E-A3DE-48FA-953D-4B2CFF013E30}"/>
               </a:ext>
             </a:extLst>
           </p:cNvPr>
@@ -6259,7 +6259,7 @@
           <p:cNvPr id="22" name="Content Placeholder 4">
             <a:extLst>
               <a:ext uri="{FF2B5EF4-FFF2-40B4-BE49-F238E27FC236}">
-                <a16:creationId xmlns:a16="http://schemas.microsoft.com/office/drawing/2014/main" xmlns="" id="{D5537408-2125-4CE5-92A7-F7E0FCBA31D0}"/>
+                <a16:creationId xmlns="" xmlns:a16="http://schemas.microsoft.com/office/drawing/2014/main" id="{D5537408-2125-4CE5-92A7-F7E0FCBA31D0}"/>
               </a:ext>
             </a:extLst>
           </p:cNvPr>
@@ -6602,7 +6602,7 @@
           <p:cNvPr id="23" name="Title 1">
             <a:extLst>
               <a:ext uri="{FF2B5EF4-FFF2-40B4-BE49-F238E27FC236}">
-                <a16:creationId xmlns:a16="http://schemas.microsoft.com/office/drawing/2014/main" xmlns="" id="{1BD43A5E-77DF-44FD-800D-158434A3ABC6}"/>
+                <a16:creationId xmlns="" xmlns:a16="http://schemas.microsoft.com/office/drawing/2014/main" id="{1BD43A5E-77DF-44FD-800D-158434A3ABC6}"/>
               </a:ext>
             </a:extLst>
           </p:cNvPr>
@@ -6661,7 +6661,7 @@
           <p:cNvPr id="30" name="object 6" descr="Beige rectangle">
             <a:extLst>
               <a:ext uri="{FF2B5EF4-FFF2-40B4-BE49-F238E27FC236}">
-                <a16:creationId xmlns:a16="http://schemas.microsoft.com/office/drawing/2014/main" xmlns="" id="{B0C70F64-F3E5-413B-AF4F-E15CE944B761}"/>
+                <a16:creationId xmlns="" xmlns:a16="http://schemas.microsoft.com/office/drawing/2014/main" id="{B0C70F64-F3E5-413B-AF4F-E15CE944B761}"/>
               </a:ext>
             </a:extLst>
           </p:cNvPr>
@@ -6709,7 +6709,7 @@
           <p:cNvPr id="31" name="Graphic 10" descr="Person icon">
             <a:extLst>
               <a:ext uri="{FF2B5EF4-FFF2-40B4-BE49-F238E27FC236}">
-                <a16:creationId xmlns:a16="http://schemas.microsoft.com/office/drawing/2014/main" xmlns="" id="{623730AD-04DB-4D31-90B9-486007BC48F8}"/>
+                <a16:creationId xmlns="" xmlns:a16="http://schemas.microsoft.com/office/drawing/2014/main" id="{623730AD-04DB-4D31-90B9-486007BC48F8}"/>
               </a:ext>
             </a:extLst>
           </p:cNvPr>
@@ -6722,7 +6722,7 @@
           <a:blip r:embed="rId4">
             <a:extLst>
               <a:ext uri="{96DAC541-7B7A-43D3-8B79-37D633B846F1}">
-                <asvg:svgBlip xmlns:asvg="http://schemas.microsoft.com/office/drawing/2016/SVG/main" xmlns="" r:embed="rId5"/>
+                <asvg:svgBlip xmlns="" xmlns:asvg="http://schemas.microsoft.com/office/drawing/2016/SVG/main" r:embed="rId5"/>
               </a:ext>
             </a:extLst>
           </a:blip>
@@ -6745,7 +6745,7 @@
           <p:cNvPr id="32" name="Graphic 11" descr="Mail icon">
             <a:extLst>
               <a:ext uri="{FF2B5EF4-FFF2-40B4-BE49-F238E27FC236}">
-                <a16:creationId xmlns:a16="http://schemas.microsoft.com/office/drawing/2014/main" xmlns="" id="{A19DD78C-1BBA-435D-AB9C-910A5A3B509F}"/>
+                <a16:creationId xmlns="" xmlns:a16="http://schemas.microsoft.com/office/drawing/2014/main" id="{A19DD78C-1BBA-435D-AB9C-910A5A3B509F}"/>
               </a:ext>
             </a:extLst>
           </p:cNvPr>
@@ -6758,7 +6758,7 @@
           <a:blip r:embed="rId6">
             <a:extLst>
               <a:ext uri="{96DAC541-7B7A-43D3-8B79-37D633B846F1}">
-                <asvg:svgBlip xmlns:asvg="http://schemas.microsoft.com/office/drawing/2016/SVG/main" xmlns="" r:embed="rId7"/>
+                <asvg:svgBlip xmlns="" xmlns:asvg="http://schemas.microsoft.com/office/drawing/2016/SVG/main" r:embed="rId7"/>
               </a:ext>
             </a:extLst>
           </a:blip>
@@ -6781,7 +6781,7 @@
           <p:cNvPr id="33" name="Graphic 12" descr="Phone icon">
             <a:extLst>
               <a:ext uri="{FF2B5EF4-FFF2-40B4-BE49-F238E27FC236}">
-                <a16:creationId xmlns:a16="http://schemas.microsoft.com/office/drawing/2014/main" xmlns="" id="{E1FE68E0-BC77-4B86-BF40-6A4FF5062F58}"/>
+                <a16:creationId xmlns="" xmlns:a16="http://schemas.microsoft.com/office/drawing/2014/main" id="{E1FE68E0-BC77-4B86-BF40-6A4FF5062F58}"/>
               </a:ext>
             </a:extLst>
           </p:cNvPr>
@@ -6794,7 +6794,7 @@
           <a:blip r:embed="rId8">
             <a:extLst>
               <a:ext uri="{96DAC541-7B7A-43D3-8B79-37D633B846F1}">
-                <asvg:svgBlip xmlns:asvg="http://schemas.microsoft.com/office/drawing/2016/SVG/main" xmlns="" r:embed="rId9"/>
+                <asvg:svgBlip xmlns="" xmlns:asvg="http://schemas.microsoft.com/office/drawing/2016/SVG/main" r:embed="rId9"/>
               </a:ext>
             </a:extLst>
           </a:blip>
@@ -6847,7 +6847,7 @@
           <p:cNvPr id="4" name="Content Placeholder 7" descr="Man talks by phone">
             <a:extLst>
               <a:ext uri="{FF2B5EF4-FFF2-40B4-BE49-F238E27FC236}">
-                <a16:creationId xmlns:a16="http://schemas.microsoft.com/office/drawing/2014/main" xmlns="" id="{2894B736-0F24-454E-8A9D-717EB78697D0}"/>
+                <a16:creationId xmlns="" xmlns:a16="http://schemas.microsoft.com/office/drawing/2014/main" id="{2894B736-0F24-454E-8A9D-717EB78697D0}"/>
               </a:ext>
             </a:extLst>
           </p:cNvPr>
@@ -6883,7 +6883,7 @@
           <p:cNvPr id="5" name="object 3" descr="Beige rectangle">
             <a:extLst>
               <a:ext uri="{FF2B5EF4-FFF2-40B4-BE49-F238E27FC236}">
-                <a16:creationId xmlns:a16="http://schemas.microsoft.com/office/drawing/2014/main" xmlns="" id="{DCF29767-6635-4A46-AB77-672CC90C6FBE}"/>
+                <a16:creationId xmlns="" xmlns:a16="http://schemas.microsoft.com/office/drawing/2014/main" id="{DCF29767-6635-4A46-AB77-672CC90C6FBE}"/>
               </a:ext>
             </a:extLst>
           </p:cNvPr>
@@ -6939,7 +6939,7 @@
           <p:cNvPr id="6" name="object 6" descr="Blue rectangle">
             <a:extLst>
               <a:ext uri="{FF2B5EF4-FFF2-40B4-BE49-F238E27FC236}">
-                <a16:creationId xmlns:a16="http://schemas.microsoft.com/office/drawing/2014/main" xmlns="" id="{9FABC344-E043-45BE-8588-06C658DBCE70}"/>
+                <a16:creationId xmlns="" xmlns:a16="http://schemas.microsoft.com/office/drawing/2014/main" id="{9FABC344-E043-45BE-8588-06C658DBCE70}"/>
               </a:ext>
             </a:extLst>
           </p:cNvPr>
@@ -6995,7 +6995,7 @@
           <p:cNvPr id="2" name="Title 1">
             <a:extLst>
               <a:ext uri="{FF2B5EF4-FFF2-40B4-BE49-F238E27FC236}">
-                <a16:creationId xmlns:a16="http://schemas.microsoft.com/office/drawing/2014/main" xmlns="" id="{345C5720-51D4-4632-91CD-936B8AB96750}"/>
+                <a16:creationId xmlns="" xmlns:a16="http://schemas.microsoft.com/office/drawing/2014/main" id="{345C5720-51D4-4632-91CD-936B8AB96750}"/>
               </a:ext>
             </a:extLst>
           </p:cNvPr>
@@ -7033,7 +7033,7 @@
           <p:cNvPr id="3" name="Slide Number Placeholder 2">
             <a:extLst>
               <a:ext uri="{FF2B5EF4-FFF2-40B4-BE49-F238E27FC236}">
-                <a16:creationId xmlns:a16="http://schemas.microsoft.com/office/drawing/2014/main" xmlns="" id="{24D506CC-0185-443E-82C7-1600C21D6E91}"/>
+                <a16:creationId xmlns="" xmlns:a16="http://schemas.microsoft.com/office/drawing/2014/main" id="{24D506CC-0185-443E-82C7-1600C21D6E91}"/>
               </a:ext>
             </a:extLst>
           </p:cNvPr>
@@ -7062,7 +7062,7 @@
           <p:cNvPr id="7" name="object 9" descr="Beige rectangle">
             <a:extLst>
               <a:ext uri="{FF2B5EF4-FFF2-40B4-BE49-F238E27FC236}">
-                <a16:creationId xmlns:a16="http://schemas.microsoft.com/office/drawing/2014/main" xmlns="" id="{02C6628C-972C-4717-AAF3-D882B30F6658}"/>
+                <a16:creationId xmlns="" xmlns:a16="http://schemas.microsoft.com/office/drawing/2014/main" id="{02C6628C-972C-4717-AAF3-D882B30F6658}"/>
               </a:ext>
             </a:extLst>
           </p:cNvPr>
@@ -7110,7 +7110,7 @@
           <p:cNvPr id="9" name="Content Placeholder 3">
             <a:extLst>
               <a:ext uri="{FF2B5EF4-FFF2-40B4-BE49-F238E27FC236}">
-                <a16:creationId xmlns:a16="http://schemas.microsoft.com/office/drawing/2014/main" xmlns="" id="{E7A818AB-B120-41D5-88A6-933AB9CAAE68}"/>
+                <a16:creationId xmlns="" xmlns:a16="http://schemas.microsoft.com/office/drawing/2014/main" id="{E7A818AB-B120-41D5-88A6-933AB9CAAE68}"/>
               </a:ext>
             </a:extLst>
           </p:cNvPr>
@@ -7374,7 +7374,7 @@
           <p:cNvPr id="7" name="Content Placeholder 6" descr="Blue rectangle">
             <a:extLst>
               <a:ext uri="{FF2B5EF4-FFF2-40B4-BE49-F238E27FC236}">
-                <a16:creationId xmlns:a16="http://schemas.microsoft.com/office/drawing/2014/main" xmlns="" id="{7D87B918-371C-4B31-9C7A-1D9A08C8A3BB}"/>
+                <a16:creationId xmlns="" xmlns:a16="http://schemas.microsoft.com/office/drawing/2014/main" id="{7D87B918-371C-4B31-9C7A-1D9A08C8A3BB}"/>
               </a:ext>
             </a:extLst>
           </p:cNvPr>
@@ -7408,7 +7408,7 @@
           <p:cNvPr id="8" name="object 3" descr="Blue rectangle">
             <a:extLst>
               <a:ext uri="{FF2B5EF4-FFF2-40B4-BE49-F238E27FC236}">
-                <a16:creationId xmlns:a16="http://schemas.microsoft.com/office/drawing/2014/main" xmlns="" id="{A277388B-76FD-44C4-B506-F8A157E57C65}"/>
+                <a16:creationId xmlns="" xmlns:a16="http://schemas.microsoft.com/office/drawing/2014/main" id="{A277388B-76FD-44C4-B506-F8A157E57C65}"/>
               </a:ext>
             </a:extLst>
           </p:cNvPr>
@@ -7466,7 +7466,7 @@
           <p:cNvPr id="9" name="Oval 8" descr="Beige oval">
             <a:extLst>
               <a:ext uri="{FF2B5EF4-FFF2-40B4-BE49-F238E27FC236}">
-                <a16:creationId xmlns:a16="http://schemas.microsoft.com/office/drawing/2014/main" xmlns="" id="{1191A09B-8CB4-416A-B1F9-ABC3B476DE1F}"/>
+                <a16:creationId xmlns="" xmlns:a16="http://schemas.microsoft.com/office/drawing/2014/main" id="{1191A09B-8CB4-416A-B1F9-ABC3B476DE1F}"/>
               </a:ext>
             </a:extLst>
           </p:cNvPr>
@@ -7518,7 +7518,7 @@
           <p:cNvPr id="2" name="Title 1">
             <a:extLst>
               <a:ext uri="{FF2B5EF4-FFF2-40B4-BE49-F238E27FC236}">
-                <a16:creationId xmlns:a16="http://schemas.microsoft.com/office/drawing/2014/main" xmlns="" id="{04D00B79-44BB-4D5F-B51D-2270A854D77A}"/>
+                <a16:creationId xmlns="" xmlns:a16="http://schemas.microsoft.com/office/drawing/2014/main" id="{04D00B79-44BB-4D5F-B51D-2270A854D77A}"/>
               </a:ext>
             </a:extLst>
           </p:cNvPr>
@@ -7556,7 +7556,7 @@
           <p:cNvPr id="5" name="Slide Number Placeholder 4">
             <a:extLst>
               <a:ext uri="{FF2B5EF4-FFF2-40B4-BE49-F238E27FC236}">
-                <a16:creationId xmlns:a16="http://schemas.microsoft.com/office/drawing/2014/main" xmlns="" id="{CDF3C1EE-D9A0-406A-9A3A-75C82527E0DC}"/>
+                <a16:creationId xmlns="" xmlns:a16="http://schemas.microsoft.com/office/drawing/2014/main" id="{CDF3C1EE-D9A0-406A-9A3A-75C82527E0DC}"/>
               </a:ext>
             </a:extLst>
           </p:cNvPr>
@@ -7585,7 +7585,7 @@
           <p:cNvPr id="13" name="Content Placeholder 12" descr="Table">
             <a:extLst>
               <a:ext uri="{FF2B5EF4-FFF2-40B4-BE49-F238E27FC236}">
-                <a16:creationId xmlns:a16="http://schemas.microsoft.com/office/drawing/2014/main" xmlns="" id="{1D6AB21B-0AB3-44DD-AD8E-D2EDD77DEA42}"/>
+                <a16:creationId xmlns="" xmlns:a16="http://schemas.microsoft.com/office/drawing/2014/main" id="{1D6AB21B-0AB3-44DD-AD8E-D2EDD77DEA42}"/>
               </a:ext>
             </a:extLst>
           </p:cNvPr>
@@ -7615,21 +7615,21 @@
                 <a:gridCol w="2094618">
                   <a:extLst>
                     <a:ext uri="{9D8B030D-6E8A-4147-A177-3AD203B41FA5}">
-                      <a16:colId xmlns:a16="http://schemas.microsoft.com/office/drawing/2014/main" xmlns="" val="1440817424"/>
+                      <a16:colId xmlns="" xmlns:a16="http://schemas.microsoft.com/office/drawing/2014/main" val="1440817424"/>
                     </a:ext>
                   </a:extLst>
                 </a:gridCol>
                 <a:gridCol w="2094620">
                   <a:extLst>
                     <a:ext uri="{9D8B030D-6E8A-4147-A177-3AD203B41FA5}">
-                      <a16:colId xmlns:a16="http://schemas.microsoft.com/office/drawing/2014/main" xmlns="" val="1835666774"/>
+                      <a16:colId xmlns="" xmlns:a16="http://schemas.microsoft.com/office/drawing/2014/main" val="1835666774"/>
                     </a:ext>
                   </a:extLst>
                 </a:gridCol>
                 <a:gridCol w="2094618">
                   <a:extLst>
                     <a:ext uri="{9D8B030D-6E8A-4147-A177-3AD203B41FA5}">
-                      <a16:colId xmlns:a16="http://schemas.microsoft.com/office/drawing/2014/main" xmlns="" val="3312468757"/>
+                      <a16:colId xmlns="" xmlns:a16="http://schemas.microsoft.com/office/drawing/2014/main" val="3312468757"/>
                     </a:ext>
                   </a:extLst>
                 </a:gridCol>
@@ -7832,7 +7832,7 @@
                 </a:tc>
                 <a:extLst>
                   <a:ext uri="{0D108BD9-81ED-4DB2-BD59-A6C34878D82A}">
-                    <a16:rowId xmlns:a16="http://schemas.microsoft.com/office/drawing/2014/main" xmlns="" val="1888120738"/>
+                    <a16:rowId xmlns="" xmlns:a16="http://schemas.microsoft.com/office/drawing/2014/main" val="1888120738"/>
                   </a:ext>
                 </a:extLst>
               </a:tr>
@@ -8138,7 +8138,7 @@
                 </a:tc>
                 <a:extLst>
                   <a:ext uri="{0D108BD9-81ED-4DB2-BD59-A6C34878D82A}">
-                    <a16:rowId xmlns:a16="http://schemas.microsoft.com/office/drawing/2014/main" xmlns="" val="2695001753"/>
+                    <a16:rowId xmlns="" xmlns:a16="http://schemas.microsoft.com/office/drawing/2014/main" val="2695001753"/>
                   </a:ext>
                 </a:extLst>
               </a:tr>
@@ -8151,7 +8151,7 @@
           <p:cNvPr id="11" name="object 5" descr="Beige rectangle">
             <a:extLst>
               <a:ext uri="{FF2B5EF4-FFF2-40B4-BE49-F238E27FC236}">
-                <a16:creationId xmlns:a16="http://schemas.microsoft.com/office/drawing/2014/main" xmlns="" id="{B07BA1F9-2C19-4C07-B29B-18B9FBCC4755}"/>
+                <a16:creationId xmlns="" xmlns:a16="http://schemas.microsoft.com/office/drawing/2014/main" id="{B07BA1F9-2C19-4C07-B29B-18B9FBCC4755}"/>
               </a:ext>
             </a:extLst>
           </p:cNvPr>
@@ -8199,7 +8199,7 @@
           <p:cNvPr id="12" name="Straight Connector 11" descr="Line">
             <a:extLst>
               <a:ext uri="{FF2B5EF4-FFF2-40B4-BE49-F238E27FC236}">
-                <a16:creationId xmlns:a16="http://schemas.microsoft.com/office/drawing/2014/main" xmlns="" id="{0D4D8421-B427-472B-95AE-FBBC914ACC5F}"/>
+                <a16:creationId xmlns="" xmlns:a16="http://schemas.microsoft.com/office/drawing/2014/main" id="{0D4D8421-B427-472B-95AE-FBBC914ACC5F}"/>
               </a:ext>
             </a:extLst>
           </p:cNvPr>
@@ -8240,7 +8240,7 @@
           <p:cNvPr id="10" name="Rectangle 9">
             <a:extLst>
               <a:ext uri="{FF2B5EF4-FFF2-40B4-BE49-F238E27FC236}">
-                <a16:creationId xmlns:a16="http://schemas.microsoft.com/office/drawing/2014/main" xmlns="" id="{C81554E6-FFC7-4D10-8E15-D72915B89452}"/>
+                <a16:creationId xmlns="" xmlns:a16="http://schemas.microsoft.com/office/drawing/2014/main" id="{C81554E6-FFC7-4D10-8E15-D72915B89452}"/>
               </a:ext>
             </a:extLst>
           </p:cNvPr>
@@ -8320,7 +8320,7 @@
           <p:cNvPr id="21" name="Picture Placeholder 20" descr="Two person handshake">
             <a:extLst>
               <a:ext uri="{FF2B5EF4-FFF2-40B4-BE49-F238E27FC236}">
-                <a16:creationId xmlns:a16="http://schemas.microsoft.com/office/drawing/2014/main" xmlns="" id="{42EF1974-141C-494C-A63E-216742273C6F}"/>
+                <a16:creationId xmlns="" xmlns:a16="http://schemas.microsoft.com/office/drawing/2014/main" id="{42EF1974-141C-494C-A63E-216742273C6F}"/>
               </a:ext>
             </a:extLst>
           </p:cNvPr>
@@ -8355,7 +8355,7 @@
           <p:cNvPr id="22" name="object 3" descr="Blue rectangle">
             <a:extLst>
               <a:ext uri="{FF2B5EF4-FFF2-40B4-BE49-F238E27FC236}">
-                <a16:creationId xmlns:a16="http://schemas.microsoft.com/office/drawing/2014/main" xmlns="" id="{2D225086-68BE-4168-8F17-9443ADD89675}"/>
+                <a16:creationId xmlns="" xmlns:a16="http://schemas.microsoft.com/office/drawing/2014/main" id="{2D225086-68BE-4168-8F17-9443ADD89675}"/>
               </a:ext>
             </a:extLst>
           </p:cNvPr>
@@ -8413,7 +8413,7 @@
           <p:cNvPr id="23" name="Oval 22" descr="Beige oval">
             <a:extLst>
               <a:ext uri="{FF2B5EF4-FFF2-40B4-BE49-F238E27FC236}">
-                <a16:creationId xmlns:a16="http://schemas.microsoft.com/office/drawing/2014/main" xmlns="" id="{433945EE-A7C1-410E-BF29-F5CEA2F4F576}"/>
+                <a16:creationId xmlns="" xmlns:a16="http://schemas.microsoft.com/office/drawing/2014/main" id="{433945EE-A7C1-410E-BF29-F5CEA2F4F576}"/>
               </a:ext>
             </a:extLst>
           </p:cNvPr>
@@ -8465,7 +8465,7 @@
           <p:cNvPr id="10" name="Content Placeholder 9">
             <a:extLst>
               <a:ext uri="{FF2B5EF4-FFF2-40B4-BE49-F238E27FC236}">
-                <a16:creationId xmlns:a16="http://schemas.microsoft.com/office/drawing/2014/main" xmlns="" id="{2D8AA6DB-EBDB-4269-B4E5-AD059714C629}"/>
+                <a16:creationId xmlns="" xmlns:a16="http://schemas.microsoft.com/office/drawing/2014/main" id="{2D8AA6DB-EBDB-4269-B4E5-AD059714C629}"/>
               </a:ext>
             </a:extLst>
           </p:cNvPr>
@@ -8518,7 +8518,7 @@
           <p:cNvPr id="9" name="Content Placeholder 8">
             <a:extLst>
               <a:ext uri="{FF2B5EF4-FFF2-40B4-BE49-F238E27FC236}">
-                <a16:creationId xmlns:a16="http://schemas.microsoft.com/office/drawing/2014/main" xmlns="" id="{2AF9D9A5-149E-4118-AAE3-8EF91B9C5B7D}"/>
+                <a16:creationId xmlns="" xmlns:a16="http://schemas.microsoft.com/office/drawing/2014/main" id="{2AF9D9A5-149E-4118-AAE3-8EF91B9C5B7D}"/>
               </a:ext>
             </a:extLst>
           </p:cNvPr>
@@ -8571,7 +8571,7 @@
           <p:cNvPr id="2" name="Slide Number Placeholder 1">
             <a:extLst>
               <a:ext uri="{FF2B5EF4-FFF2-40B4-BE49-F238E27FC236}">
-                <a16:creationId xmlns:a16="http://schemas.microsoft.com/office/drawing/2014/main" xmlns="" id="{3790A3AE-E658-426D-96CD-CB0614B7418A}"/>
+                <a16:creationId xmlns="" xmlns:a16="http://schemas.microsoft.com/office/drawing/2014/main" id="{3790A3AE-E658-426D-96CD-CB0614B7418A}"/>
               </a:ext>
             </a:extLst>
           </p:cNvPr>
@@ -8600,7 +8600,7 @@
           <p:cNvPr id="6" name="Title 5">
             <a:extLst>
               <a:ext uri="{FF2B5EF4-FFF2-40B4-BE49-F238E27FC236}">
-                <a16:creationId xmlns:a16="http://schemas.microsoft.com/office/drawing/2014/main" xmlns="" id="{6BDEDF39-62EC-40AF-98F4-06A79F1F80F1}"/>
+                <a16:creationId xmlns="" xmlns:a16="http://schemas.microsoft.com/office/drawing/2014/main" id="{6BDEDF39-62EC-40AF-98F4-06A79F1F80F1}"/>
               </a:ext>
             </a:extLst>
           </p:cNvPr>
@@ -8638,7 +8638,7 @@
           <p:cNvPr id="7" name="Content Placeholder 6">
             <a:extLst>
               <a:ext uri="{FF2B5EF4-FFF2-40B4-BE49-F238E27FC236}">
-                <a16:creationId xmlns:a16="http://schemas.microsoft.com/office/drawing/2014/main" xmlns="" id="{23DC0E4E-6822-467C-96E3-77C667B41D2B}"/>
+                <a16:creationId xmlns="" xmlns:a16="http://schemas.microsoft.com/office/drawing/2014/main" id="{23DC0E4E-6822-467C-96E3-77C667B41D2B}"/>
               </a:ext>
             </a:extLst>
           </p:cNvPr>
@@ -8707,7 +8707,7 @@
           <p:cNvPr id="12" name="Content Placeholder 11">
             <a:extLst>
               <a:ext uri="{FF2B5EF4-FFF2-40B4-BE49-F238E27FC236}">
-                <a16:creationId xmlns:a16="http://schemas.microsoft.com/office/drawing/2014/main" xmlns="" id="{72176240-9D71-46A9-959A-FFCF84DC04A3}"/>
+                <a16:creationId xmlns="" xmlns:a16="http://schemas.microsoft.com/office/drawing/2014/main" id="{72176240-9D71-46A9-959A-FFCF84DC04A3}"/>
               </a:ext>
             </a:extLst>
           </p:cNvPr>
@@ -8760,7 +8760,7 @@
           <p:cNvPr id="13" name="Content Placeholder 12">
             <a:extLst>
               <a:ext uri="{FF2B5EF4-FFF2-40B4-BE49-F238E27FC236}">
-                <a16:creationId xmlns:a16="http://schemas.microsoft.com/office/drawing/2014/main" xmlns="" id="{77C0FED8-C734-4A93-8023-C7053E036A1E}"/>
+                <a16:creationId xmlns="" xmlns:a16="http://schemas.microsoft.com/office/drawing/2014/main" id="{77C0FED8-C734-4A93-8023-C7053E036A1E}"/>
               </a:ext>
             </a:extLst>
           </p:cNvPr>
@@ -8812,7 +8812,7 @@
           <p:cNvPr id="36" name="Picture Placeholder 35" descr="Check icon">
             <a:extLst>
               <a:ext uri="{FF2B5EF4-FFF2-40B4-BE49-F238E27FC236}">
-                <a16:creationId xmlns:a16="http://schemas.microsoft.com/office/drawing/2014/main" xmlns="" id="{1A9D8BC9-CF04-4A6C-89E6-E6A18D7419F0}"/>
+                <a16:creationId xmlns="" xmlns:a16="http://schemas.microsoft.com/office/drawing/2014/main" id="{1A9D8BC9-CF04-4A6C-89E6-E6A18D7419F0}"/>
               </a:ext>
             </a:extLst>
           </p:cNvPr>
@@ -8848,7 +8848,7 @@
           <p:cNvPr id="38" name="Picture Placeholder 37" descr="Check icon">
             <a:extLst>
               <a:ext uri="{FF2B5EF4-FFF2-40B4-BE49-F238E27FC236}">
-                <a16:creationId xmlns:a16="http://schemas.microsoft.com/office/drawing/2014/main" xmlns="" id="{D15B4FC9-0788-4E4C-9F5A-FCFAF69E7E7F}"/>
+                <a16:creationId xmlns="" xmlns:a16="http://schemas.microsoft.com/office/drawing/2014/main" id="{D15B4FC9-0788-4E4C-9F5A-FCFAF69E7E7F}"/>
               </a:ext>
             </a:extLst>
           </p:cNvPr>
@@ -8884,7 +8884,7 @@
           <p:cNvPr id="40" name="Picture Placeholder 39" descr="Check icon">
             <a:extLst>
               <a:ext uri="{FF2B5EF4-FFF2-40B4-BE49-F238E27FC236}">
-                <a16:creationId xmlns:a16="http://schemas.microsoft.com/office/drawing/2014/main" xmlns="" id="{250F553C-3E38-47E0-8A58-2967D756991D}"/>
+                <a16:creationId xmlns="" xmlns:a16="http://schemas.microsoft.com/office/drawing/2014/main" id="{250F553C-3E38-47E0-8A58-2967D756991D}"/>
               </a:ext>
             </a:extLst>
           </p:cNvPr>
@@ -8920,7 +8920,7 @@
           <p:cNvPr id="34" name="Picture Placeholder 33" descr="Check icon">
             <a:extLst>
               <a:ext uri="{FF2B5EF4-FFF2-40B4-BE49-F238E27FC236}">
-                <a16:creationId xmlns:a16="http://schemas.microsoft.com/office/drawing/2014/main" xmlns="" id="{EA6876F1-58FD-4237-BE75-C15655445FE1}"/>
+                <a16:creationId xmlns="" xmlns:a16="http://schemas.microsoft.com/office/drawing/2014/main" id="{EA6876F1-58FD-4237-BE75-C15655445FE1}"/>
               </a:ext>
             </a:extLst>
           </p:cNvPr>
@@ -8956,7 +8956,7 @@
           <p:cNvPr id="24" name="object 5" descr="Beige rectangle">
             <a:extLst>
               <a:ext uri="{FF2B5EF4-FFF2-40B4-BE49-F238E27FC236}">
-                <a16:creationId xmlns:a16="http://schemas.microsoft.com/office/drawing/2014/main" xmlns="" id="{73ED10AC-D04B-401B-A6A1-6069912D1664}"/>
+                <a16:creationId xmlns="" xmlns:a16="http://schemas.microsoft.com/office/drawing/2014/main" id="{73ED10AC-D04B-401B-A6A1-6069912D1664}"/>
               </a:ext>
             </a:extLst>
           </p:cNvPr>
@@ -9004,7 +9004,7 @@
           <p:cNvPr id="32" name="Picture Placeholder 31" descr="Check icon">
             <a:extLst>
               <a:ext uri="{FF2B5EF4-FFF2-40B4-BE49-F238E27FC236}">
-                <a16:creationId xmlns:a16="http://schemas.microsoft.com/office/drawing/2014/main" xmlns="" id="{6054A700-8461-40AD-8429-6C9F6EEEEC4C}"/>
+                <a16:creationId xmlns="" xmlns:a16="http://schemas.microsoft.com/office/drawing/2014/main" id="{6054A700-8461-40AD-8429-6C9F6EEEEC4C}"/>
               </a:ext>
             </a:extLst>
           </p:cNvPr>
@@ -9040,7 +9040,7 @@
           <p:cNvPr id="20" name="Content Placeholder 6">
             <a:extLst>
               <a:ext uri="{FF2B5EF4-FFF2-40B4-BE49-F238E27FC236}">
-                <a16:creationId xmlns:a16="http://schemas.microsoft.com/office/drawing/2014/main" xmlns="" id="{23DC0E4E-6822-467C-96E3-77C667B41D2B}"/>
+                <a16:creationId xmlns="" xmlns:a16="http://schemas.microsoft.com/office/drawing/2014/main" id="{23DC0E4E-6822-467C-96E3-77C667B41D2B}"/>
               </a:ext>
             </a:extLst>
           </p:cNvPr>
@@ -9312,7 +9312,7 @@
           <p:cNvPr id="21" name="Picture Placeholder 20" descr="Two person handshake">
             <a:extLst>
               <a:ext uri="{FF2B5EF4-FFF2-40B4-BE49-F238E27FC236}">
-                <a16:creationId xmlns:a16="http://schemas.microsoft.com/office/drawing/2014/main" xmlns="" id="{42EF1974-141C-494C-A63E-216742273C6F}"/>
+                <a16:creationId xmlns="" xmlns:a16="http://schemas.microsoft.com/office/drawing/2014/main" id="{42EF1974-141C-494C-A63E-216742273C6F}"/>
               </a:ext>
             </a:extLst>
           </p:cNvPr>
@@ -9347,7 +9347,7 @@
           <p:cNvPr id="22" name="object 3" descr="Blue rectangle">
             <a:extLst>
               <a:ext uri="{FF2B5EF4-FFF2-40B4-BE49-F238E27FC236}">
-                <a16:creationId xmlns:a16="http://schemas.microsoft.com/office/drawing/2014/main" xmlns="" id="{2D225086-68BE-4168-8F17-9443ADD89675}"/>
+                <a16:creationId xmlns="" xmlns:a16="http://schemas.microsoft.com/office/drawing/2014/main" id="{2D225086-68BE-4168-8F17-9443ADD89675}"/>
               </a:ext>
             </a:extLst>
           </p:cNvPr>
@@ -9405,7 +9405,7 @@
           <p:cNvPr id="23" name="Oval 22" descr="Beige oval">
             <a:extLst>
               <a:ext uri="{FF2B5EF4-FFF2-40B4-BE49-F238E27FC236}">
-                <a16:creationId xmlns:a16="http://schemas.microsoft.com/office/drawing/2014/main" xmlns="" id="{433945EE-A7C1-410E-BF29-F5CEA2F4F576}"/>
+                <a16:creationId xmlns="" xmlns:a16="http://schemas.microsoft.com/office/drawing/2014/main" id="{433945EE-A7C1-410E-BF29-F5CEA2F4F576}"/>
               </a:ext>
             </a:extLst>
           </p:cNvPr>
@@ -9457,7 +9457,7 @@
           <p:cNvPr id="10" name="Content Placeholder 9">
             <a:extLst>
               <a:ext uri="{FF2B5EF4-FFF2-40B4-BE49-F238E27FC236}">
-                <a16:creationId xmlns:a16="http://schemas.microsoft.com/office/drawing/2014/main" xmlns="" id="{2D8AA6DB-EBDB-4269-B4E5-AD059714C629}"/>
+                <a16:creationId xmlns="" xmlns:a16="http://schemas.microsoft.com/office/drawing/2014/main" id="{2D8AA6DB-EBDB-4269-B4E5-AD059714C629}"/>
               </a:ext>
             </a:extLst>
           </p:cNvPr>
@@ -9595,7 +9595,7 @@
           <p:cNvPr id="9" name="Content Placeholder 8">
             <a:extLst>
               <a:ext uri="{FF2B5EF4-FFF2-40B4-BE49-F238E27FC236}">
-                <a16:creationId xmlns:a16="http://schemas.microsoft.com/office/drawing/2014/main" xmlns="" id="{2AF9D9A5-149E-4118-AAE3-8EF91B9C5B7D}"/>
+                <a16:creationId xmlns="" xmlns:a16="http://schemas.microsoft.com/office/drawing/2014/main" id="{2AF9D9A5-149E-4118-AAE3-8EF91B9C5B7D}"/>
               </a:ext>
             </a:extLst>
           </p:cNvPr>
@@ -9634,7 +9634,7 @@
           <p:cNvPr id="2" name="Slide Number Placeholder 1">
             <a:extLst>
               <a:ext uri="{FF2B5EF4-FFF2-40B4-BE49-F238E27FC236}">
-                <a16:creationId xmlns:a16="http://schemas.microsoft.com/office/drawing/2014/main" xmlns="" id="{3790A3AE-E658-426D-96CD-CB0614B7418A}"/>
+                <a16:creationId xmlns="" xmlns:a16="http://schemas.microsoft.com/office/drawing/2014/main" id="{3790A3AE-E658-426D-96CD-CB0614B7418A}"/>
               </a:ext>
             </a:extLst>
           </p:cNvPr>
@@ -9663,7 +9663,7 @@
           <p:cNvPr id="7" name="Content Placeholder 6">
             <a:extLst>
               <a:ext uri="{FF2B5EF4-FFF2-40B4-BE49-F238E27FC236}">
-                <a16:creationId xmlns:a16="http://schemas.microsoft.com/office/drawing/2014/main" xmlns="" id="{23DC0E4E-6822-467C-96E3-77C667B41D2B}"/>
+                <a16:creationId xmlns="" xmlns:a16="http://schemas.microsoft.com/office/drawing/2014/main" id="{23DC0E4E-6822-467C-96E3-77C667B41D2B}"/>
               </a:ext>
             </a:extLst>
           </p:cNvPr>
@@ -9732,7 +9732,7 @@
           <p:cNvPr id="12" name="Content Placeholder 11">
             <a:extLst>
               <a:ext uri="{FF2B5EF4-FFF2-40B4-BE49-F238E27FC236}">
-                <a16:creationId xmlns:a16="http://schemas.microsoft.com/office/drawing/2014/main" xmlns="" id="{72176240-9D71-46A9-959A-FFCF84DC04A3}"/>
+                <a16:creationId xmlns="" xmlns:a16="http://schemas.microsoft.com/office/drawing/2014/main" id="{72176240-9D71-46A9-959A-FFCF84DC04A3}"/>
               </a:ext>
             </a:extLst>
           </p:cNvPr>
@@ -9777,7 +9777,7 @@
           <p:cNvPr id="36" name="Picture Placeholder 35" descr="Check icon">
             <a:extLst>
               <a:ext uri="{FF2B5EF4-FFF2-40B4-BE49-F238E27FC236}">
-                <a16:creationId xmlns:a16="http://schemas.microsoft.com/office/drawing/2014/main" xmlns="" id="{1A9D8BC9-CF04-4A6C-89E6-E6A18D7419F0}"/>
+                <a16:creationId xmlns="" xmlns:a16="http://schemas.microsoft.com/office/drawing/2014/main" id="{1A9D8BC9-CF04-4A6C-89E6-E6A18D7419F0}"/>
               </a:ext>
             </a:extLst>
           </p:cNvPr>
@@ -9813,7 +9813,7 @@
           <p:cNvPr id="38" name="Picture Placeholder 37" descr="Check icon">
             <a:extLst>
               <a:ext uri="{FF2B5EF4-FFF2-40B4-BE49-F238E27FC236}">
-                <a16:creationId xmlns:a16="http://schemas.microsoft.com/office/drawing/2014/main" xmlns="" id="{D15B4FC9-0788-4E4C-9F5A-FCFAF69E7E7F}"/>
+                <a16:creationId xmlns="" xmlns:a16="http://schemas.microsoft.com/office/drawing/2014/main" id="{D15B4FC9-0788-4E4C-9F5A-FCFAF69E7E7F}"/>
               </a:ext>
             </a:extLst>
           </p:cNvPr>
@@ -9849,7 +9849,7 @@
           <p:cNvPr id="40" name="Picture Placeholder 39" descr="Check icon">
             <a:extLst>
               <a:ext uri="{FF2B5EF4-FFF2-40B4-BE49-F238E27FC236}">
-                <a16:creationId xmlns:a16="http://schemas.microsoft.com/office/drawing/2014/main" xmlns="" id="{250F553C-3E38-47E0-8A58-2967D756991D}"/>
+                <a16:creationId xmlns="" xmlns:a16="http://schemas.microsoft.com/office/drawing/2014/main" id="{250F553C-3E38-47E0-8A58-2967D756991D}"/>
               </a:ext>
             </a:extLst>
           </p:cNvPr>
@@ -9885,7 +9885,7 @@
           <p:cNvPr id="32" name="Picture Placeholder 31" descr="Check icon">
             <a:extLst>
               <a:ext uri="{FF2B5EF4-FFF2-40B4-BE49-F238E27FC236}">
-                <a16:creationId xmlns:a16="http://schemas.microsoft.com/office/drawing/2014/main" xmlns="" id="{6054A700-8461-40AD-8429-6C9F6EEEEC4C}"/>
+                <a16:creationId xmlns="" xmlns:a16="http://schemas.microsoft.com/office/drawing/2014/main" id="{6054A700-8461-40AD-8429-6C9F6EEEEC4C}"/>
               </a:ext>
             </a:extLst>
           </p:cNvPr>
@@ -9921,7 +9921,7 @@
           <p:cNvPr id="25" name="Content Placeholder 9">
             <a:extLst>
               <a:ext uri="{FF2B5EF4-FFF2-40B4-BE49-F238E27FC236}">
-                <a16:creationId xmlns:a16="http://schemas.microsoft.com/office/drawing/2014/main" xmlns="" id="{2D8AA6DB-EBDB-4269-B4E5-AD059714C629}"/>
+                <a16:creationId xmlns="" xmlns:a16="http://schemas.microsoft.com/office/drawing/2014/main" id="{2D8AA6DB-EBDB-4269-B4E5-AD059714C629}"/>
               </a:ext>
             </a:extLst>
           </p:cNvPr>
@@ -9960,7 +9960,7 @@
           <p:cNvPr id="26" name="Picture Placeholder 39" descr="Check icon">
             <a:extLst>
               <a:ext uri="{FF2B5EF4-FFF2-40B4-BE49-F238E27FC236}">
-                <a16:creationId xmlns:a16="http://schemas.microsoft.com/office/drawing/2014/main" xmlns="" id="{250F553C-3E38-47E0-8A58-2967D756991D}"/>
+                <a16:creationId xmlns="" xmlns:a16="http://schemas.microsoft.com/office/drawing/2014/main" id="{250F553C-3E38-47E0-8A58-2967D756991D}"/>
               </a:ext>
             </a:extLst>
           </p:cNvPr>
@@ -9996,7 +9996,7 @@
           <p:cNvPr id="27" name="Content Placeholder 11">
             <a:extLst>
               <a:ext uri="{FF2B5EF4-FFF2-40B4-BE49-F238E27FC236}">
-                <a16:creationId xmlns:a16="http://schemas.microsoft.com/office/drawing/2014/main" xmlns="" id="{72176240-9D71-46A9-959A-FFCF84DC04A3}"/>
+                <a16:creationId xmlns="" xmlns:a16="http://schemas.microsoft.com/office/drawing/2014/main" id="{72176240-9D71-46A9-959A-FFCF84DC04A3}"/>
               </a:ext>
             </a:extLst>
           </p:cNvPr>
@@ -10041,7 +10041,7 @@
           <p:cNvPr id="28" name="Picture Placeholder 31" descr="Check icon">
             <a:extLst>
               <a:ext uri="{FF2B5EF4-FFF2-40B4-BE49-F238E27FC236}">
-                <a16:creationId xmlns:a16="http://schemas.microsoft.com/office/drawing/2014/main" xmlns="" id="{6054A700-8461-40AD-8429-6C9F6EEEEC4C}"/>
+                <a16:creationId xmlns="" xmlns:a16="http://schemas.microsoft.com/office/drawing/2014/main" id="{6054A700-8461-40AD-8429-6C9F6EEEEC4C}"/>
               </a:ext>
             </a:extLst>
           </p:cNvPr>
@@ -10077,7 +10077,7 @@
           <p:cNvPr id="29" name="Content Placeholder 9">
             <a:extLst>
               <a:ext uri="{FF2B5EF4-FFF2-40B4-BE49-F238E27FC236}">
-                <a16:creationId xmlns:a16="http://schemas.microsoft.com/office/drawing/2014/main" xmlns="" id="{2D8AA6DB-EBDB-4269-B4E5-AD059714C629}"/>
+                <a16:creationId xmlns="" xmlns:a16="http://schemas.microsoft.com/office/drawing/2014/main" id="{2D8AA6DB-EBDB-4269-B4E5-AD059714C629}"/>
               </a:ext>
             </a:extLst>
           </p:cNvPr>
@@ -10173,7 +10173,7 @@
           <p:cNvPr id="30" name="Picture Placeholder 39" descr="Check icon">
             <a:extLst>
               <a:ext uri="{FF2B5EF4-FFF2-40B4-BE49-F238E27FC236}">
-                <a16:creationId xmlns:a16="http://schemas.microsoft.com/office/drawing/2014/main" xmlns="" id="{250F553C-3E38-47E0-8A58-2967D756991D}"/>
+                <a16:creationId xmlns="" xmlns:a16="http://schemas.microsoft.com/office/drawing/2014/main" id="{250F553C-3E38-47E0-8A58-2967D756991D}"/>
               </a:ext>
             </a:extLst>
           </p:cNvPr>
@@ -10239,7 +10239,7 @@
           <p:cNvPr id="21" name="Picture Placeholder 20" descr="Two person handshake">
             <a:extLst>
               <a:ext uri="{FF2B5EF4-FFF2-40B4-BE49-F238E27FC236}">
-                <a16:creationId xmlns:a16="http://schemas.microsoft.com/office/drawing/2014/main" xmlns="" id="{42EF1974-141C-494C-A63E-216742273C6F}"/>
+                <a16:creationId xmlns="" xmlns:a16="http://schemas.microsoft.com/office/drawing/2014/main" id="{42EF1974-141C-494C-A63E-216742273C6F}"/>
               </a:ext>
             </a:extLst>
           </p:cNvPr>
@@ -10274,7 +10274,7 @@
           <p:cNvPr id="22" name="object 3" descr="Blue rectangle">
             <a:extLst>
               <a:ext uri="{FF2B5EF4-FFF2-40B4-BE49-F238E27FC236}">
-                <a16:creationId xmlns:a16="http://schemas.microsoft.com/office/drawing/2014/main" xmlns="" id="{2D225086-68BE-4168-8F17-9443ADD89675}"/>
+                <a16:creationId xmlns="" xmlns:a16="http://schemas.microsoft.com/office/drawing/2014/main" id="{2D225086-68BE-4168-8F17-9443ADD89675}"/>
               </a:ext>
             </a:extLst>
           </p:cNvPr>
@@ -10332,7 +10332,7 @@
           <p:cNvPr id="23" name="Oval 22" descr="Beige oval">
             <a:extLst>
               <a:ext uri="{FF2B5EF4-FFF2-40B4-BE49-F238E27FC236}">
-                <a16:creationId xmlns:a16="http://schemas.microsoft.com/office/drawing/2014/main" xmlns="" id="{433945EE-A7C1-410E-BF29-F5CEA2F4F576}"/>
+                <a16:creationId xmlns="" xmlns:a16="http://schemas.microsoft.com/office/drawing/2014/main" id="{433945EE-A7C1-410E-BF29-F5CEA2F4F576}"/>
               </a:ext>
             </a:extLst>
           </p:cNvPr>
@@ -10384,7 +10384,7 @@
           <p:cNvPr id="10" name="Content Placeholder 9">
             <a:extLst>
               <a:ext uri="{FF2B5EF4-FFF2-40B4-BE49-F238E27FC236}">
-                <a16:creationId xmlns:a16="http://schemas.microsoft.com/office/drawing/2014/main" xmlns="" id="{2D8AA6DB-EBDB-4269-B4E5-AD059714C629}"/>
+                <a16:creationId xmlns="" xmlns:a16="http://schemas.microsoft.com/office/drawing/2014/main" id="{2D8AA6DB-EBDB-4269-B4E5-AD059714C629}"/>
               </a:ext>
             </a:extLst>
           </p:cNvPr>
@@ -10507,7 +10507,7 @@
           <p:cNvPr id="9" name="Content Placeholder 8">
             <a:extLst>
               <a:ext uri="{FF2B5EF4-FFF2-40B4-BE49-F238E27FC236}">
-                <a16:creationId xmlns:a16="http://schemas.microsoft.com/office/drawing/2014/main" xmlns="" id="{2AF9D9A5-149E-4118-AAE3-8EF91B9C5B7D}"/>
+                <a16:creationId xmlns="" xmlns:a16="http://schemas.microsoft.com/office/drawing/2014/main" id="{2AF9D9A5-149E-4118-AAE3-8EF91B9C5B7D}"/>
               </a:ext>
             </a:extLst>
           </p:cNvPr>
@@ -10567,7 +10567,7 @@
           <p:cNvPr id="2" name="Slide Number Placeholder 1">
             <a:extLst>
               <a:ext uri="{FF2B5EF4-FFF2-40B4-BE49-F238E27FC236}">
-                <a16:creationId xmlns:a16="http://schemas.microsoft.com/office/drawing/2014/main" xmlns="" id="{3790A3AE-E658-426D-96CD-CB0614B7418A}"/>
+                <a16:creationId xmlns="" xmlns:a16="http://schemas.microsoft.com/office/drawing/2014/main" id="{3790A3AE-E658-426D-96CD-CB0614B7418A}"/>
               </a:ext>
             </a:extLst>
           </p:cNvPr>
@@ -10596,7 +10596,7 @@
           <p:cNvPr id="7" name="Content Placeholder 6">
             <a:extLst>
               <a:ext uri="{FF2B5EF4-FFF2-40B4-BE49-F238E27FC236}">
-                <a16:creationId xmlns:a16="http://schemas.microsoft.com/office/drawing/2014/main" xmlns="" id="{23DC0E4E-6822-467C-96E3-77C667B41D2B}"/>
+                <a16:creationId xmlns="" xmlns:a16="http://schemas.microsoft.com/office/drawing/2014/main" id="{23DC0E4E-6822-467C-96E3-77C667B41D2B}"/>
               </a:ext>
             </a:extLst>
           </p:cNvPr>
@@ -10641,7 +10641,7 @@
           <p:cNvPr id="36" name="Picture Placeholder 35" descr="Check icon">
             <a:extLst>
               <a:ext uri="{FF2B5EF4-FFF2-40B4-BE49-F238E27FC236}">
-                <a16:creationId xmlns:a16="http://schemas.microsoft.com/office/drawing/2014/main" xmlns="" id="{1A9D8BC9-CF04-4A6C-89E6-E6A18D7419F0}"/>
+                <a16:creationId xmlns="" xmlns:a16="http://schemas.microsoft.com/office/drawing/2014/main" id="{1A9D8BC9-CF04-4A6C-89E6-E6A18D7419F0}"/>
               </a:ext>
             </a:extLst>
           </p:cNvPr>
@@ -10677,7 +10677,7 @@
           <p:cNvPr id="38" name="Picture Placeholder 37" descr="Check icon">
             <a:extLst>
               <a:ext uri="{FF2B5EF4-FFF2-40B4-BE49-F238E27FC236}">
-                <a16:creationId xmlns:a16="http://schemas.microsoft.com/office/drawing/2014/main" xmlns="" id="{D15B4FC9-0788-4E4C-9F5A-FCFAF69E7E7F}"/>
+                <a16:creationId xmlns="" xmlns:a16="http://schemas.microsoft.com/office/drawing/2014/main" id="{D15B4FC9-0788-4E4C-9F5A-FCFAF69E7E7F}"/>
               </a:ext>
             </a:extLst>
           </p:cNvPr>
@@ -10713,7 +10713,7 @@
           <p:cNvPr id="40" name="Picture Placeholder 39" descr="Check icon">
             <a:extLst>
               <a:ext uri="{FF2B5EF4-FFF2-40B4-BE49-F238E27FC236}">
-                <a16:creationId xmlns:a16="http://schemas.microsoft.com/office/drawing/2014/main" xmlns="" id="{250F553C-3E38-47E0-8A58-2967D756991D}"/>
+                <a16:creationId xmlns="" xmlns:a16="http://schemas.microsoft.com/office/drawing/2014/main" id="{250F553C-3E38-47E0-8A58-2967D756991D}"/>
               </a:ext>
             </a:extLst>
           </p:cNvPr>
@@ -10779,7 +10779,7 @@
           <p:cNvPr id="21" name="Picture Placeholder 20" descr="Two person handshake">
             <a:extLst>
               <a:ext uri="{FF2B5EF4-FFF2-40B4-BE49-F238E27FC236}">
-                <a16:creationId xmlns:a16="http://schemas.microsoft.com/office/drawing/2014/main" xmlns="" id="{42EF1974-141C-494C-A63E-216742273C6F}"/>
+                <a16:creationId xmlns="" xmlns:a16="http://schemas.microsoft.com/office/drawing/2014/main" id="{42EF1974-141C-494C-A63E-216742273C6F}"/>
               </a:ext>
             </a:extLst>
           </p:cNvPr>
@@ -10814,7 +10814,7 @@
           <p:cNvPr id="22" name="object 3" descr="Blue rectangle">
             <a:extLst>
               <a:ext uri="{FF2B5EF4-FFF2-40B4-BE49-F238E27FC236}">
-                <a16:creationId xmlns:a16="http://schemas.microsoft.com/office/drawing/2014/main" xmlns="" id="{2D225086-68BE-4168-8F17-9443ADD89675}"/>
+                <a16:creationId xmlns="" xmlns:a16="http://schemas.microsoft.com/office/drawing/2014/main" id="{2D225086-68BE-4168-8F17-9443ADD89675}"/>
               </a:ext>
             </a:extLst>
           </p:cNvPr>
@@ -10872,7 +10872,7 @@
           <p:cNvPr id="23" name="Oval 22" descr="Beige oval">
             <a:extLst>
               <a:ext uri="{FF2B5EF4-FFF2-40B4-BE49-F238E27FC236}">
-                <a16:creationId xmlns:a16="http://schemas.microsoft.com/office/drawing/2014/main" xmlns="" id="{433945EE-A7C1-410E-BF29-F5CEA2F4F576}"/>
+                <a16:creationId xmlns="" xmlns:a16="http://schemas.microsoft.com/office/drawing/2014/main" id="{433945EE-A7C1-410E-BF29-F5CEA2F4F576}"/>
               </a:ext>
             </a:extLst>
           </p:cNvPr>
@@ -10924,7 +10924,7 @@
           <p:cNvPr id="2" name="Slide Number Placeholder 1">
             <a:extLst>
               <a:ext uri="{FF2B5EF4-FFF2-40B4-BE49-F238E27FC236}">
-                <a16:creationId xmlns:a16="http://schemas.microsoft.com/office/drawing/2014/main" xmlns="" id="{3790A3AE-E658-426D-96CD-CB0614B7418A}"/>
+                <a16:creationId xmlns="" xmlns:a16="http://schemas.microsoft.com/office/drawing/2014/main" id="{3790A3AE-E658-426D-96CD-CB0614B7418A}"/>
               </a:ext>
             </a:extLst>
           </p:cNvPr>
@@ -10953,7 +10953,7 @@
           <p:cNvPr id="7" name="Content Placeholder 6">
             <a:extLst>
               <a:ext uri="{FF2B5EF4-FFF2-40B4-BE49-F238E27FC236}">
-                <a16:creationId xmlns:a16="http://schemas.microsoft.com/office/drawing/2014/main" xmlns="" id="{23DC0E4E-6822-467C-96E3-77C667B41D2B}"/>
+                <a16:creationId xmlns="" xmlns:a16="http://schemas.microsoft.com/office/drawing/2014/main" id="{23DC0E4E-6822-467C-96E3-77C667B41D2B}"/>
               </a:ext>
             </a:extLst>
           </p:cNvPr>
@@ -10998,7 +10998,7 @@
           <p:cNvPr id="36" name="Picture Placeholder 35" descr="Check icon">
             <a:extLst>
               <a:ext uri="{FF2B5EF4-FFF2-40B4-BE49-F238E27FC236}">
-                <a16:creationId xmlns:a16="http://schemas.microsoft.com/office/drawing/2014/main" xmlns="" id="{1A9D8BC9-CF04-4A6C-89E6-E6A18D7419F0}"/>
+                <a16:creationId xmlns="" xmlns:a16="http://schemas.microsoft.com/office/drawing/2014/main" id="{1A9D8BC9-CF04-4A6C-89E6-E6A18D7419F0}"/>
               </a:ext>
             </a:extLst>
           </p:cNvPr>
@@ -11034,7 +11034,7 @@
           <p:cNvPr id="38" name="Picture Placeholder 37" descr="Check icon">
             <a:extLst>
               <a:ext uri="{FF2B5EF4-FFF2-40B4-BE49-F238E27FC236}">
-                <a16:creationId xmlns:a16="http://schemas.microsoft.com/office/drawing/2014/main" xmlns="" id="{D15B4FC9-0788-4E4C-9F5A-FCFAF69E7E7F}"/>
+                <a16:creationId xmlns="" xmlns:a16="http://schemas.microsoft.com/office/drawing/2014/main" id="{D15B4FC9-0788-4E4C-9F5A-FCFAF69E7E7F}"/>
               </a:ext>
             </a:extLst>
           </p:cNvPr>
@@ -11070,7 +11070,7 @@
           <p:cNvPr id="40" name="Picture Placeholder 39" descr="Check icon">
             <a:extLst>
               <a:ext uri="{FF2B5EF4-FFF2-40B4-BE49-F238E27FC236}">
-                <a16:creationId xmlns:a16="http://schemas.microsoft.com/office/drawing/2014/main" xmlns="" id="{250F553C-3E38-47E0-8A58-2967D756991D}"/>
+                <a16:creationId xmlns="" xmlns:a16="http://schemas.microsoft.com/office/drawing/2014/main" id="{250F553C-3E38-47E0-8A58-2967D756991D}"/>
               </a:ext>
             </a:extLst>
           </p:cNvPr>
@@ -11184,7 +11184,7 @@
           <p:cNvPr id="21" name="Picture Placeholder 20" descr="Two person handshake">
             <a:extLst>
               <a:ext uri="{FF2B5EF4-FFF2-40B4-BE49-F238E27FC236}">
-                <a16:creationId xmlns:a16="http://schemas.microsoft.com/office/drawing/2014/main" xmlns="" id="{42EF1974-141C-494C-A63E-216742273C6F}"/>
+                <a16:creationId xmlns="" xmlns:a16="http://schemas.microsoft.com/office/drawing/2014/main" id="{42EF1974-141C-494C-A63E-216742273C6F}"/>
               </a:ext>
             </a:extLst>
           </p:cNvPr>
@@ -11219,7 +11219,7 @@
           <p:cNvPr id="22" name="object 3" descr="Blue rectangle">
             <a:extLst>
               <a:ext uri="{FF2B5EF4-FFF2-40B4-BE49-F238E27FC236}">
-                <a16:creationId xmlns:a16="http://schemas.microsoft.com/office/drawing/2014/main" xmlns="" id="{2D225086-68BE-4168-8F17-9443ADD89675}"/>
+                <a16:creationId xmlns="" xmlns:a16="http://schemas.microsoft.com/office/drawing/2014/main" id="{2D225086-68BE-4168-8F17-9443ADD89675}"/>
               </a:ext>
             </a:extLst>
           </p:cNvPr>
@@ -11277,7 +11277,7 @@
           <p:cNvPr id="23" name="Oval 22" descr="Beige oval">
             <a:extLst>
               <a:ext uri="{FF2B5EF4-FFF2-40B4-BE49-F238E27FC236}">
-                <a16:creationId xmlns:a16="http://schemas.microsoft.com/office/drawing/2014/main" xmlns="" id="{433945EE-A7C1-410E-BF29-F5CEA2F4F576}"/>
+                <a16:creationId xmlns="" xmlns:a16="http://schemas.microsoft.com/office/drawing/2014/main" id="{433945EE-A7C1-410E-BF29-F5CEA2F4F576}"/>
               </a:ext>
             </a:extLst>
           </p:cNvPr>
@@ -11329,7 +11329,7 @@
           <p:cNvPr id="2" name="Slide Number Placeholder 1">
             <a:extLst>
               <a:ext uri="{FF2B5EF4-FFF2-40B4-BE49-F238E27FC236}">
-                <a16:creationId xmlns:a16="http://schemas.microsoft.com/office/drawing/2014/main" xmlns="" id="{3790A3AE-E658-426D-96CD-CB0614B7418A}"/>
+                <a16:creationId xmlns="" xmlns:a16="http://schemas.microsoft.com/office/drawing/2014/main" id="{3790A3AE-E658-426D-96CD-CB0614B7418A}"/>
               </a:ext>
             </a:extLst>
           </p:cNvPr>
@@ -11358,7 +11358,7 @@
           <p:cNvPr id="7" name="Content Placeholder 6">
             <a:extLst>
               <a:ext uri="{FF2B5EF4-FFF2-40B4-BE49-F238E27FC236}">
-                <a16:creationId xmlns:a16="http://schemas.microsoft.com/office/drawing/2014/main" xmlns="" id="{23DC0E4E-6822-467C-96E3-77C667B41D2B}"/>
+                <a16:creationId xmlns="" xmlns:a16="http://schemas.microsoft.com/office/drawing/2014/main" id="{23DC0E4E-6822-467C-96E3-77C667B41D2B}"/>
               </a:ext>
             </a:extLst>
           </p:cNvPr>
@@ -11402,7 +11402,7 @@
           <p:cNvPr id="36" name="Picture Placeholder 35" descr="Check icon">
             <a:extLst>
               <a:ext uri="{FF2B5EF4-FFF2-40B4-BE49-F238E27FC236}">
-                <a16:creationId xmlns:a16="http://schemas.microsoft.com/office/drawing/2014/main" xmlns="" id="{1A9D8BC9-CF04-4A6C-89E6-E6A18D7419F0}"/>
+                <a16:creationId xmlns="" xmlns:a16="http://schemas.microsoft.com/office/drawing/2014/main" id="{1A9D8BC9-CF04-4A6C-89E6-E6A18D7419F0}"/>
               </a:ext>
             </a:extLst>
           </p:cNvPr>
@@ -11438,7 +11438,7 @@
           <p:cNvPr id="38" name="Picture Placeholder 37" descr="Check icon">
             <a:extLst>
               <a:ext uri="{FF2B5EF4-FFF2-40B4-BE49-F238E27FC236}">
-                <a16:creationId xmlns:a16="http://schemas.microsoft.com/office/drawing/2014/main" xmlns="" id="{D15B4FC9-0788-4E4C-9F5A-FCFAF69E7E7F}"/>
+                <a16:creationId xmlns="" xmlns:a16="http://schemas.microsoft.com/office/drawing/2014/main" id="{D15B4FC9-0788-4E4C-9F5A-FCFAF69E7E7F}"/>
               </a:ext>
             </a:extLst>
           </p:cNvPr>
@@ -11474,7 +11474,7 @@
           <p:cNvPr id="13" name="Content Placeholder 9">
             <a:extLst>
               <a:ext uri="{FF2B5EF4-FFF2-40B4-BE49-F238E27FC236}">
-                <a16:creationId xmlns:a16="http://schemas.microsoft.com/office/drawing/2014/main" xmlns="" id="{2D8AA6DB-EBDB-4269-B4E5-AD059714C629}"/>
+                <a16:creationId xmlns="" xmlns:a16="http://schemas.microsoft.com/office/drawing/2014/main" id="{2D8AA6DB-EBDB-4269-B4E5-AD059714C629}"/>
               </a:ext>
             </a:extLst>
           </p:cNvPr>
@@ -11628,11 +11628,6 @@
               </a:rPr>
               <a:t>, T5 seems to have the best performance across the board, especially in terms of F1 scores. BERT performs well on ROUGE metrics but shows a lower F1 score. GPT-2's performance is weaker compared to the other two models.</a:t>
             </a:r>
-            <a:endParaRPr lang="en-GB" sz="1400" dirty="0">
-              <a:solidFill>
-                <a:schemeClr val="bg1"/>
-              </a:solidFill>
-            </a:endParaRPr>
           </a:p>
         </p:txBody>
       </p:sp>
@@ -11671,7 +11666,7 @@
           <p:cNvPr id="21" name="Picture Placeholder 20" descr="Two person handshake">
             <a:extLst>
               <a:ext uri="{FF2B5EF4-FFF2-40B4-BE49-F238E27FC236}">
-                <a16:creationId xmlns:a16="http://schemas.microsoft.com/office/drawing/2014/main" xmlns="" id="{42EF1974-141C-494C-A63E-216742273C6F}"/>
+                <a16:creationId xmlns="" xmlns:a16="http://schemas.microsoft.com/office/drawing/2014/main" id="{42EF1974-141C-494C-A63E-216742273C6F}"/>
               </a:ext>
             </a:extLst>
           </p:cNvPr>
@@ -11706,7 +11701,7 @@
           <p:cNvPr id="22" name="object 3" descr="Blue rectangle">
             <a:extLst>
               <a:ext uri="{FF2B5EF4-FFF2-40B4-BE49-F238E27FC236}">
-                <a16:creationId xmlns:a16="http://schemas.microsoft.com/office/drawing/2014/main" xmlns="" id="{2D225086-68BE-4168-8F17-9443ADD89675}"/>
+                <a16:creationId xmlns="" xmlns:a16="http://schemas.microsoft.com/office/drawing/2014/main" id="{2D225086-68BE-4168-8F17-9443ADD89675}"/>
               </a:ext>
             </a:extLst>
           </p:cNvPr>
@@ -11764,7 +11759,7 @@
           <p:cNvPr id="23" name="Oval 22" descr="Beige oval">
             <a:extLst>
               <a:ext uri="{FF2B5EF4-FFF2-40B4-BE49-F238E27FC236}">
-                <a16:creationId xmlns:a16="http://schemas.microsoft.com/office/drawing/2014/main" xmlns="" id="{433945EE-A7C1-410E-BF29-F5CEA2F4F576}"/>
+                <a16:creationId xmlns="" xmlns:a16="http://schemas.microsoft.com/office/drawing/2014/main" id="{433945EE-A7C1-410E-BF29-F5CEA2F4F576}"/>
               </a:ext>
             </a:extLst>
           </p:cNvPr>
@@ -11816,7 +11811,7 @@
           <p:cNvPr id="2" name="Slide Number Placeholder 1">
             <a:extLst>
               <a:ext uri="{FF2B5EF4-FFF2-40B4-BE49-F238E27FC236}">
-                <a16:creationId xmlns:a16="http://schemas.microsoft.com/office/drawing/2014/main" xmlns="" id="{3790A3AE-E658-426D-96CD-CB0614B7418A}"/>
+                <a16:creationId xmlns="" xmlns:a16="http://schemas.microsoft.com/office/drawing/2014/main" id="{3790A3AE-E658-426D-96CD-CB0614B7418A}"/>
               </a:ext>
             </a:extLst>
           </p:cNvPr>
@@ -11845,7 +11840,7 @@
           <p:cNvPr id="7" name="Content Placeholder 6">
             <a:extLst>
               <a:ext uri="{FF2B5EF4-FFF2-40B4-BE49-F238E27FC236}">
-                <a16:creationId xmlns:a16="http://schemas.microsoft.com/office/drawing/2014/main" xmlns="" id="{23DC0E4E-6822-467C-96E3-77C667B41D2B}"/>
+                <a16:creationId xmlns="" xmlns:a16="http://schemas.microsoft.com/office/drawing/2014/main" id="{23DC0E4E-6822-467C-96E3-77C667B41D2B}"/>
               </a:ext>
             </a:extLst>
           </p:cNvPr>
@@ -11890,7 +11885,7 @@
           <p:cNvPr id="36" name="Picture Placeholder 35" descr="Check icon">
             <a:extLst>
               <a:ext uri="{FF2B5EF4-FFF2-40B4-BE49-F238E27FC236}">
-                <a16:creationId xmlns:a16="http://schemas.microsoft.com/office/drawing/2014/main" xmlns="" id="{1A9D8BC9-CF04-4A6C-89E6-E6A18D7419F0}"/>
+                <a16:creationId xmlns="" xmlns:a16="http://schemas.microsoft.com/office/drawing/2014/main" id="{1A9D8BC9-CF04-4A6C-89E6-E6A18D7419F0}"/>
               </a:ext>
             </a:extLst>
           </p:cNvPr>
@@ -11926,7 +11921,7 @@
           <p:cNvPr id="38" name="Picture Placeholder 37" descr="Check icon">
             <a:extLst>
               <a:ext uri="{FF2B5EF4-FFF2-40B4-BE49-F238E27FC236}">
-                <a16:creationId xmlns:a16="http://schemas.microsoft.com/office/drawing/2014/main" xmlns="" id="{D15B4FC9-0788-4E4C-9F5A-FCFAF69E7E7F}"/>
+                <a16:creationId xmlns="" xmlns:a16="http://schemas.microsoft.com/office/drawing/2014/main" id="{D15B4FC9-0788-4E4C-9F5A-FCFAF69E7E7F}"/>
               </a:ext>
             </a:extLst>
           </p:cNvPr>
@@ -11962,7 +11957,7 @@
           <p:cNvPr id="13" name="Content Placeholder 9">
             <a:extLst>
               <a:ext uri="{FF2B5EF4-FFF2-40B4-BE49-F238E27FC236}">
-                <a16:creationId xmlns:a16="http://schemas.microsoft.com/office/drawing/2014/main" xmlns="" id="{2D8AA6DB-EBDB-4269-B4E5-AD059714C629}"/>
+                <a16:creationId xmlns="" xmlns:a16="http://schemas.microsoft.com/office/drawing/2014/main" id="{2D8AA6DB-EBDB-4269-B4E5-AD059714C629}"/>
               </a:ext>
             </a:extLst>
           </p:cNvPr>
@@ -12008,20 +12003,12 @@
           </a:p>
           <a:p>
             <a:r>
-              <a:rPr lang="en-GB" sz="1400" dirty="0" smtClean="0">
+              <a:rPr lang="en-GB" sz="1400" dirty="0">
                 <a:solidFill>
                   <a:schemeClr val="bg1"/>
                 </a:solidFill>
               </a:rPr>
-              <a:t>https</a:t>
-            </a:r>
-            <a:r>
-              <a:rPr lang="en-GB" sz="1400" dirty="0">
-                <a:solidFill>
-                  <a:schemeClr val="bg1"/>
-                </a:solidFill>
-              </a:rPr>
-              <a:t>://github.com/ishanjayswal/Question-answering-model/tree/main</a:t>
+              <a:t>https://github.com/ishanjayswal/Question-answering-model</a:t>
             </a:r>
             <a:endParaRPr lang="en-GB" sz="1400" dirty="0">
               <a:solidFill>
@@ -13080,20 +13067,20 @@
 </file>
 
 <file path=customXml/item2.xml><?xml version="1.0" encoding="utf-8"?>
-<p:properties xmlns:p="http://schemas.microsoft.com/office/2006/metadata/properties" xmlns:xsi="http://www.w3.org/2001/XMLSchema-instance" xmlns:pc="http://schemas.microsoft.com/office/infopath/2007/PartnerControls">
-  <documentManagement>
-    <MediaServiceKeyPoints xmlns="71af3243-3dd4-4a8d-8c0d-dd76da1f02a5" xsi:nil="true"/>
-  </documentManagement>
-</p:properties>
-</file>
-
-<file path=customXml/item3.xml><?xml version="1.0" encoding="utf-8"?>
 <?mso-contentType ?>
 <FormTemplates xmlns="http://schemas.microsoft.com/sharepoint/v3/contenttype/forms">
   <Display>DocumentLibraryForm</Display>
   <Edit>DocumentLibraryForm</Edit>
   <New>DocumentLibraryForm</New>
 </FormTemplates>
+</file>
+
+<file path=customXml/item3.xml><?xml version="1.0" encoding="utf-8"?>
+<p:properties xmlns:p="http://schemas.microsoft.com/office/2006/metadata/properties" xmlns:xsi="http://www.w3.org/2001/XMLSchema-instance" xmlns:pc="http://schemas.microsoft.com/office/infopath/2007/PartnerControls">
+  <documentManagement>
+    <MediaServiceKeyPoints xmlns="71af3243-3dd4-4a8d-8c0d-dd76da1f02a5" xsi:nil="true"/>
+  </documentManagement>
+</p:properties>
 </file>
 
 <file path=customXml/itemProps1.xml><?xml version="1.0" encoding="utf-8"?>
@@ -13116,6 +13103,14 @@
 </file>
 
 <file path=customXml/itemProps2.xml><?xml version="1.0" encoding="utf-8"?>
+<ds:datastoreItem xmlns:ds="http://schemas.openxmlformats.org/officeDocument/2006/customXml" ds:itemID="{72DAF9E5-DED4-4A50-A81B-4CC218A03F2B}">
+  <ds:schemaRefs>
+    <ds:schemaRef ds:uri="http://schemas.microsoft.com/sharepoint/v3/contenttype/forms"/>
+  </ds:schemaRefs>
+</ds:datastoreItem>
+</file>
+
+<file path=customXml/itemProps3.xml><?xml version="1.0" encoding="utf-8"?>
 <ds:datastoreItem xmlns:ds="http://schemas.openxmlformats.org/officeDocument/2006/customXml" ds:itemID="{171946EF-A3EA-4ECB-8D9A-56C36FFF4075}">
   <ds:schemaRefs>
     <ds:schemaRef ds:uri="http://purl.org/dc/terms/"/>
@@ -13130,12 +13125,4 @@
     <ds:schemaRef ds:uri="http://purl.org/dc/dcmitype/"/>
   </ds:schemaRefs>
 </ds:datastoreItem>
-</file>
-
-<file path=customXml/itemProps3.xml><?xml version="1.0" encoding="utf-8"?>
-<ds:datastoreItem xmlns:ds="http://schemas.openxmlformats.org/officeDocument/2006/customXml" ds:itemID="{72DAF9E5-DED4-4A50-A81B-4CC218A03F2B}">
-  <ds:schemaRefs>
-    <ds:schemaRef ds:uri="http://schemas.microsoft.com/sharepoint/v3/contenttype/forms"/>
-  </ds:schemaRefs>
-</ds:datastoreItem>
 </file>